--- a/Little Groot.pptx
+++ b/Little Groot.pptx
@@ -6,9 +6,9 @@
   </p:sldMasterIdLst>
   <p:sldIdLst>
     <p:sldId id="256" r:id="rId2"/>
-    <p:sldId id="259" r:id="rId3"/>
-    <p:sldId id="258" r:id="rId4"/>
-    <p:sldId id="260" r:id="rId5"/>
+    <p:sldId id="258" r:id="rId3"/>
+    <p:sldId id="260" r:id="rId4"/>
+    <p:sldId id="259" r:id="rId5"/>
   </p:sldIdLst>
   <p:sldSz cx="12192000" cy="6858000"/>
   <p:notesSz cx="6858000" cy="9144000"/>
@@ -4395,7 +4395,7 @@
           <a:p>
             <a:fld id="{48A87A34-81AB-432B-8DAE-1953F412C126}" type="datetimeFigureOut">
               <a:rPr lang="en-US" dirty="0"/>
-              <a:t>02-Dec-17</a:t>
+              <a:t>03-Dec-17</a:t>
             </a:fld>
             <a:endParaRPr lang="en-US" dirty="0"/>
           </a:p>
@@ -4657,7 +4657,7 @@
           <a:p>
             <a:fld id="{48A87A34-81AB-432B-8DAE-1953F412C126}" type="datetimeFigureOut">
               <a:rPr lang="en-US" dirty="0"/>
-              <a:t>02-Dec-17</a:t>
+              <a:t>03-Dec-17</a:t>
             </a:fld>
             <a:endParaRPr lang="en-US" dirty="0"/>
           </a:p>
@@ -4848,7 +4848,7 @@
           <a:p>
             <a:fld id="{48A87A34-81AB-432B-8DAE-1953F412C126}" type="datetimeFigureOut">
               <a:rPr lang="en-US" dirty="0"/>
-              <a:t>02-Dec-17</a:t>
+              <a:t>03-Dec-17</a:t>
             </a:fld>
             <a:endParaRPr lang="en-US" dirty="0"/>
           </a:p>
@@ -5106,7 +5106,7 @@
           <a:p>
             <a:fld id="{48A87A34-81AB-432B-8DAE-1953F412C126}" type="datetimeFigureOut">
               <a:rPr lang="en-US" dirty="0"/>
-              <a:t>02-Dec-17</a:t>
+              <a:t>03-Dec-17</a:t>
             </a:fld>
             <a:endParaRPr lang="en-US" dirty="0"/>
           </a:p>
@@ -5535,7 +5535,7 @@
           <a:p>
             <a:fld id="{48A87A34-81AB-432B-8DAE-1953F412C126}" type="datetimeFigureOut">
               <a:rPr lang="en-US" dirty="0"/>
-              <a:t>02-Dec-17</a:t>
+              <a:t>03-Dec-17</a:t>
             </a:fld>
             <a:endParaRPr lang="en-US" dirty="0"/>
           </a:p>
@@ -6076,7 +6076,7 @@
           <a:p>
             <a:fld id="{48A87A34-81AB-432B-8DAE-1953F412C126}" type="datetimeFigureOut">
               <a:rPr lang="en-US" dirty="0"/>
-              <a:t>02-Dec-17</a:t>
+              <a:t>03-Dec-17</a:t>
             </a:fld>
             <a:endParaRPr lang="en-US" dirty="0"/>
           </a:p>
@@ -6791,7 +6791,7 @@
           <a:p>
             <a:fld id="{48A87A34-81AB-432B-8DAE-1953F412C126}" type="datetimeFigureOut">
               <a:rPr lang="en-US" dirty="0"/>
-              <a:t>02-Dec-17</a:t>
+              <a:t>03-Dec-17</a:t>
             </a:fld>
             <a:endParaRPr lang="en-US" dirty="0"/>
           </a:p>
@@ -6956,7 +6956,7 @@
           <a:p>
             <a:fld id="{48A87A34-81AB-432B-8DAE-1953F412C126}" type="datetimeFigureOut">
               <a:rPr lang="en-US" dirty="0"/>
-              <a:t>02-Dec-17</a:t>
+              <a:t>03-Dec-17</a:t>
             </a:fld>
             <a:endParaRPr lang="en-US" dirty="0"/>
           </a:p>
@@ -7131,7 +7131,7 @@
           <a:p>
             <a:fld id="{48A87A34-81AB-432B-8DAE-1953F412C126}" type="datetimeFigureOut">
               <a:rPr lang="en-US" dirty="0"/>
-              <a:t>02-Dec-17</a:t>
+              <a:t>03-Dec-17</a:t>
             </a:fld>
             <a:endParaRPr lang="en-US" dirty="0"/>
           </a:p>
@@ -7296,7 +7296,7 @@
           <a:p>
             <a:fld id="{48A87A34-81AB-432B-8DAE-1953F412C126}" type="datetimeFigureOut">
               <a:rPr lang="en-US" dirty="0"/>
-              <a:t>02-Dec-17</a:t>
+              <a:t>03-Dec-17</a:t>
             </a:fld>
             <a:endParaRPr lang="en-US" dirty="0"/>
           </a:p>
@@ -7541,7 +7541,7 @@
           <a:p>
             <a:fld id="{48A87A34-81AB-432B-8DAE-1953F412C126}" type="datetimeFigureOut">
               <a:rPr lang="en-US" dirty="0"/>
-              <a:t>02-Dec-17</a:t>
+              <a:t>03-Dec-17</a:t>
             </a:fld>
             <a:endParaRPr lang="en-US" dirty="0"/>
           </a:p>
@@ -7768,7 +7768,7 @@
           <a:p>
             <a:fld id="{48A87A34-81AB-432B-8DAE-1953F412C126}" type="datetimeFigureOut">
               <a:rPr lang="en-US" dirty="0"/>
-              <a:t>02-Dec-17</a:t>
+              <a:t>03-Dec-17</a:t>
             </a:fld>
             <a:endParaRPr lang="en-US" dirty="0"/>
           </a:p>
@@ -8144,7 +8144,7 @@
           <a:p>
             <a:fld id="{48A87A34-81AB-432B-8DAE-1953F412C126}" type="datetimeFigureOut">
               <a:rPr lang="en-US" dirty="0"/>
-              <a:t>02-Dec-17</a:t>
+              <a:t>03-Dec-17</a:t>
             </a:fld>
             <a:endParaRPr lang="en-US" dirty="0"/>
           </a:p>
@@ -8257,7 +8257,7 @@
           <a:p>
             <a:fld id="{48A87A34-81AB-432B-8DAE-1953F412C126}" type="datetimeFigureOut">
               <a:rPr lang="en-US" dirty="0"/>
-              <a:t>02-Dec-17</a:t>
+              <a:t>03-Dec-17</a:t>
             </a:fld>
             <a:endParaRPr lang="en-US" dirty="0"/>
           </a:p>
@@ -8347,7 +8347,7 @@
           <a:p>
             <a:fld id="{48A87A34-81AB-432B-8DAE-1953F412C126}" type="datetimeFigureOut">
               <a:rPr lang="en-US" dirty="0"/>
-              <a:t>02-Dec-17</a:t>
+              <a:t>03-Dec-17</a:t>
             </a:fld>
             <a:endParaRPr lang="en-US" dirty="0"/>
           </a:p>
@@ -8591,7 +8591,7 @@
           <a:p>
             <a:fld id="{48A87A34-81AB-432B-8DAE-1953F412C126}" type="datetimeFigureOut">
               <a:rPr lang="en-US" dirty="0"/>
-              <a:t>02-Dec-17</a:t>
+              <a:t>03-Dec-17</a:t>
             </a:fld>
             <a:endParaRPr lang="en-US" dirty="0"/>
           </a:p>
@@ -8866,7 +8866,7 @@
           <a:p>
             <a:fld id="{48A87A34-81AB-432B-8DAE-1953F412C126}" type="datetimeFigureOut">
               <a:rPr lang="en-US" dirty="0"/>
-              <a:t>02-Dec-17</a:t>
+              <a:t>03-Dec-17</a:t>
             </a:fld>
             <a:endParaRPr lang="en-US" dirty="0"/>
           </a:p>
@@ -11939,7 +11939,7 @@
             <a:fld id="{48A87A34-81AB-432B-8DAE-1953F412C126}" type="datetimeFigureOut">
               <a:rPr lang="en-US" dirty="0"/>
               <a:pPr/>
-              <a:t>02-Dec-17</a:t>
+              <a:t>03-Dec-17</a:t>
             </a:fld>
             <a:endParaRPr lang="en-US" dirty="0"/>
           </a:p>
@@ -12396,7 +12396,7 @@
         </p:nvSpPr>
         <p:spPr>
           <a:xfrm>
-            <a:off x="1915061" y="1252235"/>
+            <a:off x="1764140" y="1114137"/>
             <a:ext cx="8791575" cy="1256160"/>
           </a:xfrm>
         </p:spPr>
@@ -12433,8 +12433,8 @@
         </p:nvSpPr>
         <p:spPr>
           <a:xfrm>
-            <a:off x="4362044" y="2370297"/>
-            <a:ext cx="8791575" cy="946128"/>
+            <a:off x="4601741" y="2370297"/>
+            <a:ext cx="7590259" cy="946128"/>
           </a:xfrm>
         </p:spPr>
         <p:txBody>
@@ -12451,7 +12451,7 @@
                 <a:latin typeface="Times New Roman" panose="02020603050405020304" pitchFamily="18" charset="0"/>
                 <a:cs typeface="Times New Roman" panose="02020603050405020304" pitchFamily="18" charset="0"/>
               </a:rPr>
-              <a:t>Project based on water requirement of plants</a:t>
+              <a:t>Providing Brain and sensing ability  to plants</a:t>
             </a:r>
           </a:p>
           <a:p>
@@ -12495,7 +12495,7 @@
                 <a:latin typeface="Times New Roman" panose="02020603050405020304" pitchFamily="18" charset="0"/>
                 <a:cs typeface="Times New Roman" panose="02020603050405020304" pitchFamily="18" charset="0"/>
               </a:rPr>
-              <a:t>Principle</a:t>
+              <a:t>Idea</a:t>
             </a:r>
           </a:p>
         </p:txBody>
@@ -12527,7 +12527,14 @@
                 <a:latin typeface="Times New Roman" panose="02020603050405020304" pitchFamily="18" charset="0"/>
                 <a:cs typeface="Times New Roman" panose="02020603050405020304" pitchFamily="18" charset="0"/>
               </a:rPr>
-              <a:t>It is based on the simple principle of using concepts of Arduino for sensing the moisture value present in the soil.</a:t>
+              <a:t>Seeing the movie Guardians of the Galaxy, we thought of why not giving the life to plants, asking for </a:t>
+            </a:r>
+            <a:r>
+              <a:rPr lang="en-AU" sz="2400">
+                <a:latin typeface="Times New Roman" panose="02020603050405020304" pitchFamily="18" charset="0"/>
+                <a:cs typeface="Times New Roman" panose="02020603050405020304" pitchFamily="18" charset="0"/>
+              </a:rPr>
+              <a:t>their requirement.</a:t>
             </a:r>
             <a:endParaRPr lang="en-IN" sz="2400" dirty="0">
               <a:latin typeface="Times New Roman" panose="02020603050405020304" pitchFamily="18" charset="0"/>
@@ -12544,7 +12551,7 @@
         </p:nvSpPr>
         <p:spPr>
           <a:xfrm>
-            <a:off x="8467958" y="2932459"/>
+            <a:off x="8245748" y="2961621"/>
             <a:ext cx="2865450" cy="523220"/>
           </a:xfrm>
           <a:prstGeom prst="rect">
@@ -12602,7 +12609,7 @@
         </p:nvSpPr>
         <p:spPr>
           <a:xfrm>
-            <a:off x="7006107" y="3509255"/>
+            <a:off x="7103762" y="3408832"/>
             <a:ext cx="5344732" cy="369332"/>
           </a:xfrm>
           <a:prstGeom prst="rect">
@@ -12618,11 +12625,7 @@
           <a:p>
             <a:r>
               <a:rPr lang="en-AU" dirty="0"/>
-              <a:t>On Rajasthan Hackathon 3.0 </a:t>
-            </a:r>
-            <a:r>
-              <a:rPr lang="en-AU"/>
-              <a:t>- Udaipur</a:t>
+              <a:t>On Rajasthan Hackathon 3.0 - Udaipur</a:t>
             </a:r>
             <a:endParaRPr lang="en-IN" dirty="0"/>
           </a:p>
@@ -12670,13 +12673,13 @@
         </p:nvSpPr>
         <p:spPr>
           <a:xfrm>
-            <a:off x="1141412" y="128789"/>
-            <a:ext cx="3984380" cy="1017098"/>
+            <a:off x="1283080" y="296546"/>
+            <a:ext cx="2748007" cy="785279"/>
           </a:xfrm>
         </p:spPr>
         <p:txBody>
           <a:bodyPr>
-            <a:normAutofit fontScale="90000"/>
+            <a:normAutofit/>
           </a:bodyPr>
           <a:lstStyle/>
           <a:p>
@@ -12687,7 +12690,7 @@
                 </a:solidFill>
                 <a:latin typeface="Tempus Sans ITC" panose="04020404030D07020202" pitchFamily="82" charset="0"/>
               </a:rPr>
-              <a:t>Construction</a:t>
+              <a:t>Working</a:t>
             </a:r>
             <a:endParaRPr lang="en-IN" sz="4000" dirty="0">
               <a:solidFill>
@@ -12700,59 +12703,85 @@
       </p:sp>
       <p:sp>
         <p:nvSpPr>
-          <p:cNvPr id="3" name="Content Placeholder 2"/>
-          <p:cNvSpPr>
-            <a:spLocks noGrp="1"/>
-          </p:cNvSpPr>
-          <p:nvPr>
-            <p:ph idx="1"/>
-          </p:nvPr>
+          <p:cNvPr id="9" name="TextBox 8"/>
+          <p:cNvSpPr txBox="1"/>
+          <p:nvPr/>
         </p:nvSpPr>
         <p:spPr>
           <a:xfrm>
-            <a:off x="1141412" y="945595"/>
-            <a:ext cx="9905999" cy="4825286"/>
+            <a:off x="1141412" y="1300766"/>
+            <a:ext cx="9316233" cy="4154984"/>
           </a:xfrm>
+          <a:prstGeom prst="rect">
+            <a:avLst/>
+          </a:prstGeom>
+          <a:noFill/>
         </p:spPr>
         <p:txBody>
-          <a:bodyPr>
-            <a:normAutofit lnSpcReduction="10000"/>
+          <a:bodyPr wrap="square" rtlCol="0">
+            <a:spAutoFit/>
           </a:bodyPr>
           <a:lstStyle/>
           <a:p>
             <a:r>
               <a:rPr lang="en-IN" dirty="0"/>
-              <a:t>Connect a short jumper wire from the GND pin on the Arduino to slot D15 on the breadboard.</a:t>
+              <a:t> </a:t>
             </a:r>
-          </a:p>
-          <a:p>
+            <a:r>
+              <a:rPr lang="en-IN" sz="2400" dirty="0"/>
+              <a:t>*</a:t>
+            </a:r>
             <a:r>
               <a:rPr lang="en-IN" dirty="0"/>
-              <a:t>Connect a short jumper wire from the 0 Analog input pin to slot D10 on the breadboard.</a:t>
+              <a:t> </a:t>
             </a:r>
-          </a:p>
-          <a:p>
             <a:r>
-              <a:rPr lang="en-IN" dirty="0"/>
-              <a:t>Connect the 10K Ohm resistor from slot C15 on the breadboard to slot C10.</a:t>
+              <a:rPr lang="en-IN" sz="2400" dirty="0"/>
+              <a:t>The plant monitor has a moisture sensor that measures how wet your</a:t>
             </a:r>
           </a:p>
           <a:p>
             <a:r>
-              <a:rPr lang="en-IN" dirty="0"/>
-              <a:t>Take one of the galvanized nails, and connect the wire attached to it to slot B10.</a:t>
+              <a:rPr lang="en-IN" sz="2400" dirty="0"/>
+              <a:t> plant’s soil is. If the plant needs watering, an LED lights up and blink until the</a:t>
             </a:r>
           </a:p>
           <a:p>
             <a:r>
-              <a:rPr lang="en-IN" dirty="0"/>
-              <a:t>Connect a short jumper wire from the 5V pin on the Arduino to slot C5 on the breadboard.</a:t>
+              <a:rPr lang="en-IN" sz="2400" dirty="0"/>
+              <a:t> * plant’s been watered, and the string “Feed me!” is repeatedly sent to your computer.</a:t>
             </a:r>
           </a:p>
           <a:p>
             <a:r>
-              <a:rPr lang="en-IN" dirty="0"/>
-              <a:t>Take the other galvanized nail, and connect the wire attached to it to slot B5.</a:t>
+              <a:rPr lang="en-IN" sz="2400" dirty="0"/>
+              <a:t> * When the plant has been watered, the LED switches off and the string “Thank you, Team </a:t>
+            </a:r>
+            <a:r>
+              <a:rPr lang="en-IN" sz="2400" dirty="0" err="1"/>
+              <a:t>Ravana</a:t>
+            </a:r>
+            <a:r>
+              <a:rPr lang="en-IN" sz="2400" dirty="0"/>
+              <a:t>!” is sent once to your computer.</a:t>
+            </a:r>
+          </a:p>
+          <a:p>
+            <a:r>
+              <a:rPr lang="en-IN" sz="2400" dirty="0"/>
+              <a:t> * This version of program is for normal plant.</a:t>
+            </a:r>
+          </a:p>
+          <a:p>
+            <a:r>
+              <a:rPr lang="en-IN" sz="2400" dirty="0"/>
+              <a:t> * There are Three conditions according to plant water requirement.</a:t>
+            </a:r>
+          </a:p>
+          <a:p>
+            <a:r>
+              <a:rPr lang="en-IN" sz="2400" dirty="0"/>
+              <a:t> * It also detects the upcoming creatures around it and will start buzzer sound.</a:t>
             </a:r>
           </a:p>
         </p:txBody>
@@ -12760,7 +12789,7 @@
     </p:spTree>
     <p:extLst>
       <p:ext uri="{BB962C8B-B14F-4D97-AF65-F5344CB8AC3E}">
-        <p14:creationId xmlns:p14="http://schemas.microsoft.com/office/powerpoint/2010/main" val="2430017976"/>
+        <p14:creationId xmlns:p14="http://schemas.microsoft.com/office/powerpoint/2010/main" val="1613373574"/>
       </p:ext>
     </p:extLst>
   </p:cSld>
@@ -12797,46 +12826,33 @@
             <p:ph type="title"/>
           </p:nvPr>
         </p:nvSpPr>
-        <p:spPr>
-          <a:xfrm>
-            <a:off x="1283080" y="296546"/>
-            <a:ext cx="2748007" cy="785279"/>
-          </a:xfrm>
-        </p:spPr>
+        <p:spPr/>
         <p:txBody>
           <a:bodyPr>
-            <a:normAutofit/>
+            <a:normAutofit fontScale="90000"/>
           </a:bodyPr>
           <a:lstStyle/>
           <a:p>
-            <a:r>
-              <a:rPr lang="en-AU" sz="4000" dirty="0">
-                <a:solidFill>
-                  <a:srgbClr val="FF0000"/>
-                </a:solidFill>
-                <a:latin typeface="Tempus Sans ITC" panose="04020404030D07020202" pitchFamily="82" charset="0"/>
-              </a:rPr>
-              <a:t>Working</a:t>
-            </a:r>
-            <a:endParaRPr lang="en-IN" sz="4000" dirty="0">
-              <a:solidFill>
-                <a:srgbClr val="FF0000"/>
-              </a:solidFill>
-              <a:latin typeface="Tempus Sans ITC" panose="04020404030D07020202" pitchFamily="82" charset="0"/>
-            </a:endParaRPr>
+            <a:br>
+              <a:rPr lang="en-AU" dirty="0"/>
+            </a:br>
+            <a:br>
+              <a:rPr lang="en-AU" dirty="0"/>
+            </a:br>
+            <a:endParaRPr lang="en-IN" dirty="0"/>
           </a:p>
         </p:txBody>
       </p:sp>
       <p:sp>
         <p:nvSpPr>
-          <p:cNvPr id="9" name="TextBox 8"/>
+          <p:cNvPr id="3" name="TextBox 2"/>
           <p:cNvSpPr txBox="1"/>
           <p:nvPr/>
         </p:nvSpPr>
         <p:spPr>
           <a:xfrm>
-            <a:off x="1141412" y="1300766"/>
-            <a:ext cx="9316233" cy="3416320"/>
+            <a:off x="1239077" y="618518"/>
+            <a:ext cx="7959144" cy="646331"/>
           </a:xfrm>
           <a:prstGeom prst="rect">
             <a:avLst/>
@@ -12850,66 +12866,250 @@
           <a:lstStyle/>
           <a:p>
             <a:r>
-              <a:rPr lang="en-IN" dirty="0"/>
-              <a:t> </a:t>
+              <a:rPr lang="en-AU" sz="3600" dirty="0">
+                <a:solidFill>
+                  <a:srgbClr val="FF0000"/>
+                </a:solidFill>
+                <a:latin typeface="Tempus Sans ITC" panose="04020404030D07020202" pitchFamily="82" charset="0"/>
+                <a:cs typeface="Times New Roman" panose="02020603050405020304" pitchFamily="18" charset="0"/>
+              </a:rPr>
+              <a:t>Future Of    Groot</a:t>
             </a:r>
+            <a:endParaRPr lang="en-IN" sz="3600" dirty="0">
+              <a:solidFill>
+                <a:srgbClr val="FF0000"/>
+              </a:solidFill>
+              <a:latin typeface="Tempus Sans ITC" panose="04020404030D07020202" pitchFamily="82" charset="0"/>
+              <a:cs typeface="Times New Roman" panose="02020603050405020304" pitchFamily="18" charset="0"/>
+            </a:endParaRPr>
+          </a:p>
+        </p:txBody>
+      </p:sp>
+      <p:sp>
+        <p:nvSpPr>
+          <p:cNvPr id="4" name="TextBox 3"/>
+          <p:cNvSpPr txBox="1"/>
+          <p:nvPr/>
+        </p:nvSpPr>
+        <p:spPr>
+          <a:xfrm>
+            <a:off x="1239077" y="1256749"/>
+            <a:ext cx="10042816" cy="2215991"/>
+          </a:xfrm>
+          <a:prstGeom prst="rect">
+            <a:avLst/>
+          </a:prstGeom>
+          <a:noFill/>
+        </p:spPr>
+        <p:txBody>
+          <a:bodyPr wrap="square" rtlCol="0">
+            <a:spAutoFit/>
+          </a:bodyPr>
+          <a:lstStyle/>
+          <a:p>
+            <a:pPr marL="342900" indent="-342900">
+              <a:buFont typeface="Wingdings" panose="05000000000000000000" pitchFamily="2" charset="2"/>
+              <a:buChar char="§"/>
+            </a:pPr>
             <a:r>
-              <a:rPr lang="en-IN" sz="2400" dirty="0"/>
-              <a:t>*</a:t>
+              <a:rPr lang="en-AU" sz="2000" dirty="0"/>
+              <a:t>Program for different Plant water requirement.</a:t>
             </a:r>
+          </a:p>
+          <a:p>
+            <a:pPr marL="342900" indent="-342900">
+              <a:buFont typeface="Wingdings" panose="05000000000000000000" pitchFamily="2" charset="2"/>
+              <a:buChar char="§"/>
+            </a:pPr>
             <a:r>
-              <a:rPr lang="en-IN" dirty="0"/>
-              <a:t> </a:t>
+              <a:rPr lang="en-AU" sz="2000" dirty="0"/>
+              <a:t>Implementation of Motor and automatic on and off according to question.</a:t>
             </a:r>
+          </a:p>
+          <a:p>
+            <a:pPr marL="342900" indent="-342900">
+              <a:buFont typeface="Wingdings" panose="05000000000000000000" pitchFamily="2" charset="2"/>
+              <a:buChar char="§"/>
+            </a:pPr>
             <a:r>
-              <a:rPr lang="en-IN" sz="2400" dirty="0"/>
-              <a:t>The plant monitor has a moisture sensor that measures how wet your</a:t>
+              <a:rPr lang="en-AU" sz="2000" dirty="0"/>
+              <a:t>Display on Board</a:t>
             </a:r>
           </a:p>
           <a:p>
+            <a:pPr marL="342900" indent="-342900">
+              <a:buFont typeface="Wingdings" panose="05000000000000000000" pitchFamily="2" charset="2"/>
+              <a:buChar char="§"/>
+            </a:pPr>
             <a:r>
-              <a:rPr lang="en-IN" sz="2400" dirty="0"/>
-              <a:t> plant’s soil is. If the plant needs watering, an LED lights up and blink until the</a:t>
+              <a:rPr lang="en-AU" sz="2000" dirty="0"/>
+              <a:t>Wireless interface</a:t>
             </a:r>
           </a:p>
           <a:p>
+            <a:pPr marL="342900" indent="-342900">
+              <a:buFont typeface="Wingdings" panose="05000000000000000000" pitchFamily="2" charset="2"/>
+              <a:buChar char="§"/>
+            </a:pPr>
             <a:r>
-              <a:rPr lang="en-IN" sz="2400" dirty="0"/>
-              <a:t> * plant’s been watered, and the string “Feed me!” is repeatedly sent to your computer.</a:t>
+              <a:rPr lang="en-AU" sz="2000" dirty="0"/>
+              <a:t>Operating through SMS.</a:t>
             </a:r>
           </a:p>
           <a:p>
+            <a:pPr marL="342900" indent="-342900">
+              <a:buFont typeface="Wingdings" panose="05000000000000000000" pitchFamily="2" charset="2"/>
+              <a:buChar char="§"/>
+            </a:pPr>
             <a:r>
-              <a:rPr lang="en-IN" sz="2400" dirty="0"/>
-              <a:t> * When the plant has been watered, the LED switches off and the string “Thank you, Vijay!” is sent once to your computer.</a:t>
+              <a:rPr lang="en-AU" sz="2000" dirty="0"/>
+              <a:t>For variable value of Moisture implementation of Transistor.</a:t>
             </a:r>
           </a:p>
           <a:p>
+            <a:pPr marL="342900" indent="-342900">
+              <a:buFont typeface="Wingdings" panose="05000000000000000000" pitchFamily="2" charset="2"/>
+              <a:buChar char="§"/>
+            </a:pPr>
+            <a:endParaRPr lang="en-IN" dirty="0"/>
+          </a:p>
+        </p:txBody>
+      </p:sp>
+      <p:sp>
+        <p:nvSpPr>
+          <p:cNvPr id="5" name="TextBox 4"/>
+          <p:cNvSpPr txBox="1"/>
+          <p:nvPr/>
+        </p:nvSpPr>
+        <p:spPr>
+          <a:xfrm>
+            <a:off x="1403797" y="3472740"/>
+            <a:ext cx="2585948" cy="523220"/>
+          </a:xfrm>
+          <a:prstGeom prst="rect">
+            <a:avLst/>
+          </a:prstGeom>
+          <a:noFill/>
+        </p:spPr>
+        <p:txBody>
+          <a:bodyPr wrap="square" rtlCol="0">
+            <a:spAutoFit/>
+          </a:bodyPr>
+          <a:lstStyle/>
+          <a:p>
             <a:r>
-              <a:rPr lang="en-IN" sz="2400" dirty="0"/>
-              <a:t> * This version of program is for normal plant.</a:t>
+              <a:rPr lang="en-AU" sz="2800" dirty="0">
+                <a:solidFill>
+                  <a:srgbClr val="FF0000"/>
+                </a:solidFill>
+              </a:rPr>
+              <a:t>Usefulness</a:t>
             </a:r>
-          </a:p>
-          <a:p>
+            <a:endParaRPr lang="en-IN" sz="2800" dirty="0">
+              <a:solidFill>
+                <a:srgbClr val="FF0000"/>
+              </a:solidFill>
+            </a:endParaRPr>
+          </a:p>
+        </p:txBody>
+      </p:sp>
+      <p:sp>
+        <p:nvSpPr>
+          <p:cNvPr id="6" name="TextBox 5"/>
+          <p:cNvSpPr txBox="1"/>
+          <p:nvPr/>
+        </p:nvSpPr>
+        <p:spPr>
+          <a:xfrm>
+            <a:off x="1239077" y="4284307"/>
+            <a:ext cx="8551572" cy="1323439"/>
+          </a:xfrm>
+          <a:prstGeom prst="rect">
+            <a:avLst/>
+          </a:prstGeom>
+          <a:noFill/>
+        </p:spPr>
+        <p:txBody>
+          <a:bodyPr wrap="square" rtlCol="0">
+            <a:spAutoFit/>
+          </a:bodyPr>
+          <a:lstStyle/>
+          <a:p>
+            <a:pPr marL="285750" indent="-285750">
+              <a:buFont typeface="Arial" panose="020B0604020202020204" pitchFamily="34" charset="0"/>
+              <a:buChar char="•"/>
+            </a:pPr>
             <a:r>
-              <a:rPr lang="en-IN" sz="2400" dirty="0"/>
-              <a:t> * There are Three conditions </a:t>
+              <a:rPr lang="en-AU" sz="2000" dirty="0"/>
+              <a:t>When you are out of place and time.</a:t>
             </a:r>
+          </a:p>
+          <a:p>
+            <a:pPr marL="285750" indent="-285750">
+              <a:buFont typeface="Arial" panose="020B0604020202020204" pitchFamily="34" charset="0"/>
+              <a:buChar char="•"/>
+            </a:pPr>
             <a:r>
-              <a:rPr lang="en-IN" sz="2400" dirty="0" err="1"/>
-              <a:t>acccording</a:t>
+              <a:rPr lang="en-AU" sz="2000" dirty="0"/>
+              <a:t>For Farmers</a:t>
             </a:r>
+          </a:p>
+          <a:p>
+            <a:pPr marL="285750" indent="-285750">
+              <a:buFont typeface="Arial" panose="020B0604020202020204" pitchFamily="34" charset="0"/>
+              <a:buChar char="•"/>
+            </a:pPr>
             <a:r>
-              <a:rPr lang="en-IN" sz="2400" dirty="0"/>
-              <a:t> to plant water requirement.</a:t>
+              <a:rPr lang="en-AU" sz="2000" dirty="0"/>
+              <a:t>To save our upcoming generations</a:t>
             </a:r>
+          </a:p>
+          <a:p>
+            <a:pPr marL="285750" indent="-285750">
+              <a:buFont typeface="Arial" panose="020B0604020202020204" pitchFamily="34" charset="0"/>
+              <a:buChar char="•"/>
+            </a:pPr>
+            <a:r>
+              <a:rPr lang="en-AU" sz="2000" dirty="0"/>
+              <a:t>To get an air full of oxygen and reduce pollution.</a:t>
+            </a:r>
+          </a:p>
+        </p:txBody>
+      </p:sp>
+      <p:sp>
+        <p:nvSpPr>
+          <p:cNvPr id="7" name="TextBox 6"/>
+          <p:cNvSpPr txBox="1"/>
+          <p:nvPr/>
+        </p:nvSpPr>
+        <p:spPr>
+          <a:xfrm>
+            <a:off x="9491730" y="6296203"/>
+            <a:ext cx="1712890" cy="461665"/>
+          </a:xfrm>
+          <a:prstGeom prst="rect">
+            <a:avLst/>
+          </a:prstGeom>
+          <a:noFill/>
+        </p:spPr>
+        <p:txBody>
+          <a:bodyPr wrap="square" rtlCol="0">
+            <a:spAutoFit/>
+          </a:bodyPr>
+          <a:lstStyle/>
+          <a:p>
+            <a:r>
+              <a:rPr lang="en-AU" sz="2400" dirty="0"/>
+              <a:t>Thank You.</a:t>
+            </a:r>
+            <a:endParaRPr lang="en-IN" sz="2400" dirty="0"/>
           </a:p>
         </p:txBody>
       </p:sp>
     </p:spTree>
     <p:extLst>
       <p:ext uri="{BB962C8B-B14F-4D97-AF65-F5344CB8AC3E}">
-        <p14:creationId xmlns:p14="http://schemas.microsoft.com/office/powerpoint/2010/main" val="1613373574"/>
+        <p14:creationId xmlns:p14="http://schemas.microsoft.com/office/powerpoint/2010/main" val="2685313779"/>
       </p:ext>
     </p:extLst>
   </p:cSld>
@@ -12920,7 +13120,7 @@
 </file>
 
 <file path=ppt/slides/slide4.xml><?xml version="1.0" encoding="utf-8"?>
-<p:sld xmlns:a="http://schemas.openxmlformats.org/drawingml/2006/main" xmlns:r="http://schemas.openxmlformats.org/officeDocument/2006/relationships" xmlns:p="http://schemas.openxmlformats.org/presentationml/2006/main">
+<p:sld xmlns:a="http://schemas.openxmlformats.org/drawingml/2006/main" xmlns:r="http://schemas.openxmlformats.org/officeDocument/2006/relationships" xmlns:p="http://schemas.openxmlformats.org/presentationml/2006/main" show="0">
   <p:cSld>
     <p:spTree>
       <p:nvGrpSpPr>
@@ -12946,295 +13146,99 @@
             <p:ph type="title"/>
           </p:nvPr>
         </p:nvSpPr>
-        <p:spPr/>
+        <p:spPr>
+          <a:xfrm>
+            <a:off x="1141412" y="128789"/>
+            <a:ext cx="3984380" cy="1017098"/>
+          </a:xfrm>
+        </p:spPr>
         <p:txBody>
           <a:bodyPr>
             <a:normAutofit fontScale="90000"/>
           </a:bodyPr>
           <a:lstStyle/>
           <a:p>
-            <a:br>
-              <a:rPr lang="en-AU" dirty="0"/>
-            </a:br>
-            <a:br>
-              <a:rPr lang="en-AU" dirty="0"/>
-            </a:br>
-            <a:endParaRPr lang="en-IN" dirty="0"/>
+            <a:r>
+              <a:rPr lang="en-AU" sz="4000" dirty="0">
+                <a:solidFill>
+                  <a:srgbClr val="FF0000"/>
+                </a:solidFill>
+                <a:latin typeface="Tempus Sans ITC" panose="04020404030D07020202" pitchFamily="82" charset="0"/>
+              </a:rPr>
+              <a:t>Construction</a:t>
+            </a:r>
+            <a:endParaRPr lang="en-IN" sz="4000" dirty="0">
+              <a:solidFill>
+                <a:srgbClr val="FF0000"/>
+              </a:solidFill>
+              <a:latin typeface="Tempus Sans ITC" panose="04020404030D07020202" pitchFamily="82" charset="0"/>
+            </a:endParaRPr>
           </a:p>
         </p:txBody>
       </p:sp>
       <p:sp>
         <p:nvSpPr>
-          <p:cNvPr id="3" name="TextBox 2"/>
-          <p:cNvSpPr txBox="1"/>
-          <p:nvPr/>
+          <p:cNvPr id="3" name="Content Placeholder 2"/>
+          <p:cNvSpPr>
+            <a:spLocks noGrp="1"/>
+          </p:cNvSpPr>
+          <p:nvPr>
+            <p:ph idx="1"/>
+          </p:nvPr>
         </p:nvSpPr>
         <p:spPr>
           <a:xfrm>
-            <a:off x="1239077" y="618518"/>
-            <a:ext cx="7959144" cy="646331"/>
+            <a:off x="1141412" y="945595"/>
+            <a:ext cx="9905999" cy="4825286"/>
           </a:xfrm>
-          <a:prstGeom prst="rect">
-            <a:avLst/>
-          </a:prstGeom>
-          <a:noFill/>
         </p:spPr>
         <p:txBody>
-          <a:bodyPr wrap="square" rtlCol="0">
-            <a:spAutoFit/>
+          <a:bodyPr>
+            <a:normAutofit lnSpcReduction="10000"/>
           </a:bodyPr>
           <a:lstStyle/>
           <a:p>
             <a:r>
-              <a:rPr lang="en-AU" sz="3600" dirty="0">
-                <a:solidFill>
-                  <a:srgbClr val="FF0000"/>
-                </a:solidFill>
-                <a:latin typeface="Tempus Sans ITC" panose="04020404030D07020202" pitchFamily="82" charset="0"/>
-                <a:cs typeface="Times New Roman" panose="02020603050405020304" pitchFamily="18" charset="0"/>
-              </a:rPr>
-              <a:t>Future Of    Groot</a:t>
+              <a:rPr lang="en-IN" dirty="0"/>
+              <a:t>Connect a short jumper wire from the GND pin on the Arduino to slot D15 on the breadboard.</a:t>
             </a:r>
-            <a:endParaRPr lang="en-IN" sz="3600" dirty="0">
-              <a:solidFill>
-                <a:srgbClr val="FF0000"/>
-              </a:solidFill>
-              <a:latin typeface="Tempus Sans ITC" panose="04020404030D07020202" pitchFamily="82" charset="0"/>
-              <a:cs typeface="Times New Roman" panose="02020603050405020304" pitchFamily="18" charset="0"/>
-            </a:endParaRPr>
-          </a:p>
-        </p:txBody>
-      </p:sp>
-      <p:sp>
-        <p:nvSpPr>
-          <p:cNvPr id="4" name="TextBox 3"/>
-          <p:cNvSpPr txBox="1"/>
-          <p:nvPr/>
-        </p:nvSpPr>
-        <p:spPr>
-          <a:xfrm>
-            <a:off x="1239077" y="1256749"/>
-            <a:ext cx="10042816" cy="2215991"/>
-          </a:xfrm>
-          <a:prstGeom prst="rect">
-            <a:avLst/>
-          </a:prstGeom>
-          <a:noFill/>
-        </p:spPr>
-        <p:txBody>
-          <a:bodyPr wrap="square" rtlCol="0">
-            <a:spAutoFit/>
-          </a:bodyPr>
-          <a:lstStyle/>
-          <a:p>
-            <a:pPr marL="342900" indent="-342900">
-              <a:buFont typeface="Wingdings" panose="05000000000000000000" pitchFamily="2" charset="2"/>
-              <a:buChar char="§"/>
-            </a:pPr>
+          </a:p>
+          <a:p>
             <a:r>
-              <a:rPr lang="en-AU" sz="2000" dirty="0"/>
-              <a:t>Program for different Plant water requirement.</a:t>
+              <a:rPr lang="en-IN" dirty="0"/>
+              <a:t>Connect a short jumper wire from the 0 Analog input pin to slot D10 on the breadboard.</a:t>
             </a:r>
           </a:p>
           <a:p>
-            <a:pPr marL="342900" indent="-342900">
-              <a:buFont typeface="Wingdings" panose="05000000000000000000" pitchFamily="2" charset="2"/>
-              <a:buChar char="§"/>
-            </a:pPr>
             <a:r>
-              <a:rPr lang="en-AU" sz="2000" dirty="0"/>
-              <a:t>Implementation of Motor and automatic on and off according to question.</a:t>
+              <a:rPr lang="en-IN" dirty="0"/>
+              <a:t>Connect the 10K Ohm resistor from slot C15 on the breadboard to slot C10.</a:t>
             </a:r>
           </a:p>
           <a:p>
-            <a:pPr marL="342900" indent="-342900">
-              <a:buFont typeface="Wingdings" panose="05000000000000000000" pitchFamily="2" charset="2"/>
-              <a:buChar char="§"/>
-            </a:pPr>
             <a:r>
-              <a:rPr lang="en-AU" sz="2000" dirty="0"/>
-              <a:t>Display on Board</a:t>
+              <a:rPr lang="en-IN" dirty="0"/>
+              <a:t>Take one of the galvanized nails, and connect the wire attached to it to slot B10.</a:t>
             </a:r>
           </a:p>
           <a:p>
-            <a:pPr marL="342900" indent="-342900">
-              <a:buFont typeface="Wingdings" panose="05000000000000000000" pitchFamily="2" charset="2"/>
-              <a:buChar char="§"/>
-            </a:pPr>
             <a:r>
-              <a:rPr lang="en-AU" sz="2000" dirty="0"/>
-              <a:t>Wireless interface</a:t>
+              <a:rPr lang="en-IN" dirty="0"/>
+              <a:t>Connect a short jumper wire from the 5V pin on the Arduino to slot C5 on the breadboard.</a:t>
             </a:r>
           </a:p>
           <a:p>
-            <a:pPr marL="342900" indent="-342900">
-              <a:buFont typeface="Wingdings" panose="05000000000000000000" pitchFamily="2" charset="2"/>
-              <a:buChar char="§"/>
-            </a:pPr>
             <a:r>
-              <a:rPr lang="en-AU" sz="2000" dirty="0"/>
-              <a:t>Operating through SMS.</a:t>
+              <a:rPr lang="en-IN" dirty="0"/>
+              <a:t>Take the other galvanized nail, and connect the wire attached to it to slot B5.</a:t>
             </a:r>
-          </a:p>
-          <a:p>
-            <a:pPr marL="342900" indent="-342900">
-              <a:buFont typeface="Wingdings" panose="05000000000000000000" pitchFamily="2" charset="2"/>
-              <a:buChar char="§"/>
-            </a:pPr>
-            <a:r>
-              <a:rPr lang="en-AU" sz="2000" dirty="0"/>
-              <a:t>For variable value of Moisture implementation of Transistor.</a:t>
-            </a:r>
-          </a:p>
-          <a:p>
-            <a:pPr marL="342900" indent="-342900">
-              <a:buFont typeface="Wingdings" panose="05000000000000000000" pitchFamily="2" charset="2"/>
-              <a:buChar char="§"/>
-            </a:pPr>
-            <a:endParaRPr lang="en-IN" dirty="0"/>
-          </a:p>
-        </p:txBody>
-      </p:sp>
-      <p:sp>
-        <p:nvSpPr>
-          <p:cNvPr id="5" name="TextBox 4"/>
-          <p:cNvSpPr txBox="1"/>
-          <p:nvPr/>
-        </p:nvSpPr>
-        <p:spPr>
-          <a:xfrm>
-            <a:off x="1403797" y="3472740"/>
-            <a:ext cx="2585948" cy="523220"/>
-          </a:xfrm>
-          <a:prstGeom prst="rect">
-            <a:avLst/>
-          </a:prstGeom>
-          <a:noFill/>
-        </p:spPr>
-        <p:txBody>
-          <a:bodyPr wrap="square" rtlCol="0">
-            <a:spAutoFit/>
-          </a:bodyPr>
-          <a:lstStyle/>
-          <a:p>
-            <a:r>
-              <a:rPr lang="en-AU" sz="2800" dirty="0">
-                <a:solidFill>
-                  <a:srgbClr val="FF0000"/>
-                </a:solidFill>
-              </a:rPr>
-              <a:t>Usefulness</a:t>
-            </a:r>
-            <a:endParaRPr lang="en-IN" sz="2800" dirty="0">
-              <a:solidFill>
-                <a:srgbClr val="FF0000"/>
-              </a:solidFill>
-            </a:endParaRPr>
-          </a:p>
-        </p:txBody>
-      </p:sp>
-      <p:sp>
-        <p:nvSpPr>
-          <p:cNvPr id="6" name="TextBox 5"/>
-          <p:cNvSpPr txBox="1"/>
-          <p:nvPr/>
-        </p:nvSpPr>
-        <p:spPr>
-          <a:xfrm>
-            <a:off x="1239077" y="4284307"/>
-            <a:ext cx="8551572" cy="1323439"/>
-          </a:xfrm>
-          <a:prstGeom prst="rect">
-            <a:avLst/>
-          </a:prstGeom>
-          <a:noFill/>
-        </p:spPr>
-        <p:txBody>
-          <a:bodyPr wrap="square" rtlCol="0">
-            <a:spAutoFit/>
-          </a:bodyPr>
-          <a:lstStyle/>
-          <a:p>
-            <a:pPr marL="285750" indent="-285750">
-              <a:buFont typeface="Arial" panose="020B0604020202020204" pitchFamily="34" charset="0"/>
-              <a:buChar char="•"/>
-            </a:pPr>
-            <a:r>
-              <a:rPr lang="en-AU" sz="2000" dirty="0"/>
-              <a:t>When you are out of place and time.</a:t>
-            </a:r>
-          </a:p>
-          <a:p>
-            <a:pPr marL="285750" indent="-285750">
-              <a:buFont typeface="Arial" panose="020B0604020202020204" pitchFamily="34" charset="0"/>
-              <a:buChar char="•"/>
-            </a:pPr>
-            <a:r>
-              <a:rPr lang="en-AU" sz="2000" dirty="0"/>
-              <a:t>For Farmers</a:t>
-            </a:r>
-          </a:p>
-          <a:p>
-            <a:pPr marL="285750" indent="-285750">
-              <a:buFont typeface="Arial" panose="020B0604020202020204" pitchFamily="34" charset="0"/>
-              <a:buChar char="•"/>
-            </a:pPr>
-            <a:r>
-              <a:rPr lang="en-AU" sz="2000" dirty="0"/>
-              <a:t>To save our upcoming </a:t>
-            </a:r>
-            <a:r>
-              <a:rPr lang="en-AU" sz="2000" dirty="0" err="1"/>
-              <a:t>gnerations</a:t>
-            </a:r>
-            <a:endParaRPr lang="en-AU" sz="2000" dirty="0"/>
-          </a:p>
-          <a:p>
-            <a:pPr marL="285750" indent="-285750">
-              <a:buFont typeface="Arial" panose="020B0604020202020204" pitchFamily="34" charset="0"/>
-              <a:buChar char="•"/>
-            </a:pPr>
-            <a:r>
-              <a:rPr lang="en-AU" sz="2000" dirty="0"/>
-              <a:t>To get an air full of oxygen and reduce pollution.</a:t>
-            </a:r>
-          </a:p>
-        </p:txBody>
-      </p:sp>
-      <p:sp>
-        <p:nvSpPr>
-          <p:cNvPr id="7" name="TextBox 6"/>
-          <p:cNvSpPr txBox="1"/>
-          <p:nvPr/>
-        </p:nvSpPr>
-        <p:spPr>
-          <a:xfrm>
-            <a:off x="9491730" y="6296203"/>
-            <a:ext cx="1712890" cy="461665"/>
-          </a:xfrm>
-          <a:prstGeom prst="rect">
-            <a:avLst/>
-          </a:prstGeom>
-          <a:noFill/>
-        </p:spPr>
-        <p:txBody>
-          <a:bodyPr wrap="square" rtlCol="0">
-            <a:spAutoFit/>
-          </a:bodyPr>
-          <a:lstStyle/>
-          <a:p>
-            <a:r>
-              <a:rPr lang="en-AU" sz="2400" dirty="0"/>
-              <a:t>Thank You.</a:t>
-            </a:r>
-            <a:endParaRPr lang="en-IN" sz="2400" dirty="0"/>
           </a:p>
         </p:txBody>
       </p:sp>
     </p:spTree>
     <p:extLst>
       <p:ext uri="{BB962C8B-B14F-4D97-AF65-F5344CB8AC3E}">
-        <p14:creationId xmlns:p14="http://schemas.microsoft.com/office/powerpoint/2010/main" val="2685313779"/>
+        <p14:creationId xmlns:p14="http://schemas.microsoft.com/office/powerpoint/2010/main" val="2430017976"/>
       </p:ext>
     </p:extLst>
   </p:cSld>

--- a/Little Groot.pptx
+++ b/Little Groot.pptx
@@ -169,7 +169,7 @@
           <a:noFill/>
           <a:extLst>
             <a:ext uri="{909E8E84-426E-40dd-AFC4-6F175D3DCCD1}">
-              <a14:hiddenFill xmlns="" xmlns:a14="http://schemas.microsoft.com/office/drawing/2010/main">
+              <a14:hiddenFill xmlns:a14="http://schemas.microsoft.com/office/drawing/2010/main" xmlns="">
                 <a:solidFill>
                   <a:srgbClr val="FFFFFF"/>
                 </a:solidFill>
@@ -229,7 +229,7 @@
             </a:ln>
             <a:extLst>
               <a:ext uri="{91240B29-F687-4f45-9708-019B960494DF}">
-                <a14:hiddenLine xmlns="" xmlns:a14="http://schemas.microsoft.com/office/drawing/2010/main" w="9525">
+                <a14:hiddenLine xmlns:a14="http://schemas.microsoft.com/office/drawing/2010/main" xmlns="" w="9525">
                   <a:solidFill>
                     <a:srgbClr val="000000"/>
                   </a:solidFill>
@@ -319,7 +319,7 @@
             </a:ln>
             <a:extLst>
               <a:ext uri="{91240B29-F687-4f45-9708-019B960494DF}">
-                <a14:hiddenLine xmlns="" xmlns:a14="http://schemas.microsoft.com/office/drawing/2010/main" w="9525">
+                <a14:hiddenLine xmlns:a14="http://schemas.microsoft.com/office/drawing/2010/main" xmlns="" w="9525">
                   <a:solidFill>
                     <a:srgbClr val="000000"/>
                   </a:solidFill>
@@ -409,7 +409,7 @@
             </a:ln>
             <a:extLst>
               <a:ext uri="{91240B29-F687-4f45-9708-019B960494DF}">
-                <a14:hiddenLine xmlns="" xmlns:a14="http://schemas.microsoft.com/office/drawing/2010/main" w="9525">
+                <a14:hiddenLine xmlns:a14="http://schemas.microsoft.com/office/drawing/2010/main" xmlns="" w="9525">
                   <a:solidFill>
                     <a:srgbClr val="000000"/>
                   </a:solidFill>
@@ -443,7 +443,7 @@
             </a:ln>
             <a:extLst>
               <a:ext uri="{91240B29-F687-4f45-9708-019B960494DF}">
-                <a14:hiddenLine xmlns="" xmlns:a14="http://schemas.microsoft.com/office/drawing/2010/main" w="9525">
+                <a14:hiddenLine xmlns:a14="http://schemas.microsoft.com/office/drawing/2010/main" xmlns="" w="9525">
                   <a:solidFill>
                     <a:srgbClr val="000000"/>
                   </a:solidFill>
@@ -533,7 +533,7 @@
             </a:ln>
             <a:extLst>
               <a:ext uri="{91240B29-F687-4f45-9708-019B960494DF}">
-                <a14:hiddenLine xmlns="" xmlns:a14="http://schemas.microsoft.com/office/drawing/2010/main" w="9525">
+                <a14:hiddenLine xmlns:a14="http://schemas.microsoft.com/office/drawing/2010/main" xmlns="" w="9525">
                   <a:solidFill>
                     <a:srgbClr val="000000"/>
                   </a:solidFill>
@@ -595,7 +595,7 @@
             </a:ln>
             <a:extLst>
               <a:ext uri="{91240B29-F687-4f45-9708-019B960494DF}">
-                <a14:hiddenLine xmlns="" xmlns:a14="http://schemas.microsoft.com/office/drawing/2010/main" w="9525">
+                <a14:hiddenLine xmlns:a14="http://schemas.microsoft.com/office/drawing/2010/main" xmlns="" w="9525">
                   <a:solidFill>
                     <a:srgbClr val="000000"/>
                   </a:solidFill>
@@ -657,7 +657,7 @@
             </a:ln>
             <a:extLst>
               <a:ext uri="{91240B29-F687-4f45-9708-019B960494DF}">
-                <a14:hiddenLine xmlns="" xmlns:a14="http://schemas.microsoft.com/office/drawing/2010/main" w="9525">
+                <a14:hiddenLine xmlns:a14="http://schemas.microsoft.com/office/drawing/2010/main" xmlns="" w="9525">
                   <a:solidFill>
                     <a:srgbClr val="000000"/>
                   </a:solidFill>
@@ -747,7 +747,7 @@
             </a:ln>
             <a:extLst>
               <a:ext uri="{91240B29-F687-4f45-9708-019B960494DF}">
-                <a14:hiddenLine xmlns="" xmlns:a14="http://schemas.microsoft.com/office/drawing/2010/main" w="9525">
+                <a14:hiddenLine xmlns:a14="http://schemas.microsoft.com/office/drawing/2010/main" xmlns="" w="9525">
                   <a:solidFill>
                     <a:srgbClr val="000000"/>
                   </a:solidFill>
@@ -809,7 +809,7 @@
             </a:ln>
             <a:extLst>
               <a:ext uri="{91240B29-F687-4f45-9708-019B960494DF}">
-                <a14:hiddenLine xmlns="" xmlns:a14="http://schemas.microsoft.com/office/drawing/2010/main" w="9525">
+                <a14:hiddenLine xmlns:a14="http://schemas.microsoft.com/office/drawing/2010/main" xmlns="" w="9525">
                   <a:solidFill>
                     <a:srgbClr val="000000"/>
                   </a:solidFill>
@@ -871,7 +871,7 @@
             </a:ln>
             <a:extLst>
               <a:ext uri="{91240B29-F687-4f45-9708-019B960494DF}">
-                <a14:hiddenLine xmlns="" xmlns:a14="http://schemas.microsoft.com/office/drawing/2010/main" w="9525">
+                <a14:hiddenLine xmlns:a14="http://schemas.microsoft.com/office/drawing/2010/main" xmlns="" w="9525">
                   <a:solidFill>
                     <a:srgbClr val="000000"/>
                   </a:solidFill>
@@ -961,7 +961,7 @@
             </a:ln>
             <a:extLst>
               <a:ext uri="{91240B29-F687-4f45-9708-019B960494DF}">
-                <a14:hiddenLine xmlns="" xmlns:a14="http://schemas.microsoft.com/office/drawing/2010/main" w="9525">
+                <a14:hiddenLine xmlns:a14="http://schemas.microsoft.com/office/drawing/2010/main" xmlns="" w="9525">
                   <a:solidFill>
                     <a:srgbClr val="000000"/>
                   </a:solidFill>
@@ -1051,7 +1051,7 @@
             </a:ln>
             <a:extLst>
               <a:ext uri="{91240B29-F687-4f45-9708-019B960494DF}">
-                <a14:hiddenLine xmlns="" xmlns:a14="http://schemas.microsoft.com/office/drawing/2010/main" w="9525">
+                <a14:hiddenLine xmlns:a14="http://schemas.microsoft.com/office/drawing/2010/main" xmlns="" w="9525">
                   <a:solidFill>
                     <a:srgbClr val="000000"/>
                   </a:solidFill>
@@ -1113,7 +1113,7 @@
             </a:ln>
             <a:extLst>
               <a:ext uri="{91240B29-F687-4f45-9708-019B960494DF}">
-                <a14:hiddenLine xmlns="" xmlns:a14="http://schemas.microsoft.com/office/drawing/2010/main" w="9525">
+                <a14:hiddenLine xmlns:a14="http://schemas.microsoft.com/office/drawing/2010/main" xmlns="" w="9525">
                   <a:solidFill>
                     <a:srgbClr val="000000"/>
                   </a:solidFill>
@@ -1223,7 +1223,7 @@
             </a:ln>
             <a:extLst>
               <a:ext uri="{91240B29-F687-4f45-9708-019B960494DF}">
-                <a14:hiddenLine xmlns="" xmlns:a14="http://schemas.microsoft.com/office/drawing/2010/main" w="9525">
+                <a14:hiddenLine xmlns:a14="http://schemas.microsoft.com/office/drawing/2010/main" xmlns="" w="9525">
                   <a:solidFill>
                     <a:srgbClr val="000000"/>
                   </a:solidFill>
@@ -1285,7 +1285,7 @@
             </a:ln>
             <a:extLst>
               <a:ext uri="{91240B29-F687-4f45-9708-019B960494DF}">
-                <a14:hiddenLine xmlns="" xmlns:a14="http://schemas.microsoft.com/office/drawing/2010/main" w="9525">
+                <a14:hiddenLine xmlns:a14="http://schemas.microsoft.com/office/drawing/2010/main" xmlns="" w="9525">
                   <a:solidFill>
                     <a:srgbClr val="000000"/>
                   </a:solidFill>
@@ -1375,7 +1375,7 @@
             </a:ln>
             <a:extLst>
               <a:ext uri="{91240B29-F687-4f45-9708-019B960494DF}">
-                <a14:hiddenLine xmlns="" xmlns:a14="http://schemas.microsoft.com/office/drawing/2010/main" w="9525">
+                <a14:hiddenLine xmlns:a14="http://schemas.microsoft.com/office/drawing/2010/main" xmlns="" w="9525">
                   <a:solidFill>
                     <a:srgbClr val="000000"/>
                   </a:solidFill>
@@ -1465,7 +1465,7 @@
             </a:ln>
             <a:extLst>
               <a:ext uri="{91240B29-F687-4f45-9708-019B960494DF}">
-                <a14:hiddenLine xmlns="" xmlns:a14="http://schemas.microsoft.com/office/drawing/2010/main" w="9525">
+                <a14:hiddenLine xmlns:a14="http://schemas.microsoft.com/office/drawing/2010/main" xmlns="" w="9525">
                   <a:solidFill>
                     <a:srgbClr val="000000"/>
                   </a:solidFill>
@@ -1527,7 +1527,7 @@
             </a:ln>
             <a:extLst>
               <a:ext uri="{91240B29-F687-4f45-9708-019B960494DF}">
-                <a14:hiddenLine xmlns="" xmlns:a14="http://schemas.microsoft.com/office/drawing/2010/main" w="9525">
+                <a14:hiddenLine xmlns:a14="http://schemas.microsoft.com/office/drawing/2010/main" xmlns="" w="9525">
                   <a:solidFill>
                     <a:srgbClr val="000000"/>
                   </a:solidFill>
@@ -1617,7 +1617,7 @@
             </a:ln>
             <a:extLst>
               <a:ext uri="{91240B29-F687-4f45-9708-019B960494DF}">
-                <a14:hiddenLine xmlns="" xmlns:a14="http://schemas.microsoft.com/office/drawing/2010/main" w="9525">
+                <a14:hiddenLine xmlns:a14="http://schemas.microsoft.com/office/drawing/2010/main" xmlns="" w="9525">
                   <a:solidFill>
                     <a:srgbClr val="000000"/>
                   </a:solidFill>
@@ -1707,7 +1707,7 @@
             </a:ln>
             <a:extLst>
               <a:ext uri="{91240B29-F687-4f45-9708-019B960494DF}">
-                <a14:hiddenLine xmlns="" xmlns:a14="http://schemas.microsoft.com/office/drawing/2010/main" w="9525">
+                <a14:hiddenLine xmlns:a14="http://schemas.microsoft.com/office/drawing/2010/main" xmlns="" w="9525">
                   <a:solidFill>
                     <a:srgbClr val="000000"/>
                   </a:solidFill>
@@ -1763,7 +1763,7 @@
             </a:ln>
             <a:extLst>
               <a:ext uri="{91240B29-F687-4f45-9708-019B960494DF}">
-                <a14:hiddenLine xmlns="" xmlns:a14="http://schemas.microsoft.com/office/drawing/2010/main" w="9525">
+                <a14:hiddenLine xmlns:a14="http://schemas.microsoft.com/office/drawing/2010/main" xmlns="" w="9525">
                   <a:solidFill>
                     <a:srgbClr val="000000"/>
                   </a:solidFill>
@@ -1853,7 +1853,7 @@
             </a:ln>
             <a:extLst>
               <a:ext uri="{91240B29-F687-4f45-9708-019B960494DF}">
-                <a14:hiddenLine xmlns="" xmlns:a14="http://schemas.microsoft.com/office/drawing/2010/main" w="9525">
+                <a14:hiddenLine xmlns:a14="http://schemas.microsoft.com/office/drawing/2010/main" xmlns="" w="9525">
                   <a:solidFill>
                     <a:srgbClr val="000000"/>
                   </a:solidFill>
@@ -1909,7 +1909,7 @@
             </a:ln>
             <a:extLst>
               <a:ext uri="{91240B29-F687-4f45-9708-019B960494DF}">
-                <a14:hiddenLine xmlns="" xmlns:a14="http://schemas.microsoft.com/office/drawing/2010/main" w="9525">
+                <a14:hiddenLine xmlns:a14="http://schemas.microsoft.com/office/drawing/2010/main" xmlns="" w="9525">
                   <a:solidFill>
                     <a:srgbClr val="000000"/>
                   </a:solidFill>
@@ -1999,7 +1999,7 @@
             </a:ln>
             <a:extLst>
               <a:ext uri="{91240B29-F687-4f45-9708-019B960494DF}">
-                <a14:hiddenLine xmlns="" xmlns:a14="http://schemas.microsoft.com/office/drawing/2010/main" w="9525">
+                <a14:hiddenLine xmlns:a14="http://schemas.microsoft.com/office/drawing/2010/main" xmlns="" w="9525">
                   <a:solidFill>
                     <a:srgbClr val="000000"/>
                   </a:solidFill>
@@ -2067,7 +2067,7 @@
             </a:ln>
             <a:extLst>
               <a:ext uri="{91240B29-F687-4f45-9708-019B960494DF}">
-                <a14:hiddenLine xmlns="" xmlns:a14="http://schemas.microsoft.com/office/drawing/2010/main" w="9525">
+                <a14:hiddenLine xmlns:a14="http://schemas.microsoft.com/office/drawing/2010/main" xmlns="" w="9525">
                   <a:solidFill>
                     <a:srgbClr val="000000"/>
                   </a:solidFill>
@@ -2157,7 +2157,7 @@
             </a:ln>
             <a:extLst>
               <a:ext uri="{91240B29-F687-4f45-9708-019B960494DF}">
-                <a14:hiddenLine xmlns="" xmlns:a14="http://schemas.microsoft.com/office/drawing/2010/main" w="9525">
+                <a14:hiddenLine xmlns:a14="http://schemas.microsoft.com/office/drawing/2010/main" xmlns="" w="9525">
                   <a:solidFill>
                     <a:srgbClr val="000000"/>
                   </a:solidFill>
@@ -2225,7 +2225,7 @@
             </a:ln>
             <a:extLst>
               <a:ext uri="{91240B29-F687-4f45-9708-019B960494DF}">
-                <a14:hiddenLine xmlns="" xmlns:a14="http://schemas.microsoft.com/office/drawing/2010/main" w="9525">
+                <a14:hiddenLine xmlns:a14="http://schemas.microsoft.com/office/drawing/2010/main" xmlns="" w="9525">
                   <a:solidFill>
                     <a:srgbClr val="000000"/>
                   </a:solidFill>
@@ -2315,7 +2315,7 @@
             </a:ln>
             <a:extLst>
               <a:ext uri="{91240B29-F687-4f45-9708-019B960494DF}">
-                <a14:hiddenLine xmlns="" xmlns:a14="http://schemas.microsoft.com/office/drawing/2010/main" w="9525">
+                <a14:hiddenLine xmlns:a14="http://schemas.microsoft.com/office/drawing/2010/main" xmlns="" w="9525">
                   <a:solidFill>
                     <a:srgbClr val="000000"/>
                   </a:solidFill>
@@ -2349,7 +2349,7 @@
             </a:ln>
             <a:extLst>
               <a:ext uri="{91240B29-F687-4f45-9708-019B960494DF}">
-                <a14:hiddenLine xmlns="" xmlns:a14="http://schemas.microsoft.com/office/drawing/2010/main" w="9525">
+                <a14:hiddenLine xmlns:a14="http://schemas.microsoft.com/office/drawing/2010/main" xmlns="" w="9525">
                   <a:solidFill>
                     <a:srgbClr val="000000"/>
                   </a:solidFill>
@@ -2439,7 +2439,7 @@
             </a:ln>
             <a:extLst>
               <a:ext uri="{91240B29-F687-4f45-9708-019B960494DF}">
-                <a14:hiddenLine xmlns="" xmlns:a14="http://schemas.microsoft.com/office/drawing/2010/main" w="9525">
+                <a14:hiddenLine xmlns:a14="http://schemas.microsoft.com/office/drawing/2010/main" xmlns="" w="9525">
                   <a:solidFill>
                     <a:srgbClr val="000000"/>
                   </a:solidFill>
@@ -2501,7 +2501,7 @@
             </a:ln>
             <a:extLst>
               <a:ext uri="{91240B29-F687-4f45-9708-019B960494DF}">
-                <a14:hiddenLine xmlns="" xmlns:a14="http://schemas.microsoft.com/office/drawing/2010/main" w="9525">
+                <a14:hiddenLine xmlns:a14="http://schemas.microsoft.com/office/drawing/2010/main" xmlns="" w="9525">
                   <a:solidFill>
                     <a:srgbClr val="000000"/>
                   </a:solidFill>
@@ -2563,7 +2563,7 @@
             </a:ln>
             <a:extLst>
               <a:ext uri="{91240B29-F687-4f45-9708-019B960494DF}">
-                <a14:hiddenLine xmlns="" xmlns:a14="http://schemas.microsoft.com/office/drawing/2010/main" w="9525">
+                <a14:hiddenLine xmlns:a14="http://schemas.microsoft.com/office/drawing/2010/main" xmlns="" w="9525">
                   <a:solidFill>
                     <a:srgbClr val="000000"/>
                   </a:solidFill>
@@ -2653,7 +2653,7 @@
             </a:ln>
             <a:extLst>
               <a:ext uri="{91240B29-F687-4f45-9708-019B960494DF}">
-                <a14:hiddenLine xmlns="" xmlns:a14="http://schemas.microsoft.com/office/drawing/2010/main" w="9525">
+                <a14:hiddenLine xmlns:a14="http://schemas.microsoft.com/office/drawing/2010/main" xmlns="" w="9525">
                   <a:solidFill>
                     <a:srgbClr val="000000"/>
                   </a:solidFill>
@@ -2721,7 +2721,7 @@
             </a:ln>
             <a:extLst>
               <a:ext uri="{91240B29-F687-4f45-9708-019B960494DF}">
-                <a14:hiddenLine xmlns="" xmlns:a14="http://schemas.microsoft.com/office/drawing/2010/main" w="9525">
+                <a14:hiddenLine xmlns:a14="http://schemas.microsoft.com/office/drawing/2010/main" xmlns="" w="9525">
                   <a:solidFill>
                     <a:srgbClr val="000000"/>
                   </a:solidFill>
@@ -2783,7 +2783,7 @@
             </a:ln>
             <a:extLst>
               <a:ext uri="{91240B29-F687-4f45-9708-019B960494DF}">
-                <a14:hiddenLine xmlns="" xmlns:a14="http://schemas.microsoft.com/office/drawing/2010/main" w="9525">
+                <a14:hiddenLine xmlns:a14="http://schemas.microsoft.com/office/drawing/2010/main" xmlns="" w="9525">
                   <a:solidFill>
                     <a:srgbClr val="000000"/>
                   </a:solidFill>
@@ -2873,7 +2873,7 @@
             </a:ln>
             <a:extLst>
               <a:ext uri="{91240B29-F687-4f45-9708-019B960494DF}">
-                <a14:hiddenLine xmlns="" xmlns:a14="http://schemas.microsoft.com/office/drawing/2010/main" w="9525">
+                <a14:hiddenLine xmlns:a14="http://schemas.microsoft.com/office/drawing/2010/main" xmlns="" w="9525">
                   <a:solidFill>
                     <a:srgbClr val="000000"/>
                   </a:solidFill>
@@ -2935,7 +2935,7 @@
             </a:ln>
             <a:extLst>
               <a:ext uri="{91240B29-F687-4f45-9708-019B960494DF}">
-                <a14:hiddenLine xmlns="" xmlns:a14="http://schemas.microsoft.com/office/drawing/2010/main" w="9525">
+                <a14:hiddenLine xmlns:a14="http://schemas.microsoft.com/office/drawing/2010/main" xmlns="" w="9525">
                   <a:solidFill>
                     <a:srgbClr val="000000"/>
                   </a:solidFill>
@@ -3025,7 +3025,7 @@
             </a:ln>
             <a:extLst>
               <a:ext uri="{91240B29-F687-4f45-9708-019B960494DF}">
-                <a14:hiddenLine xmlns="" xmlns:a14="http://schemas.microsoft.com/office/drawing/2010/main" w="9525">
+                <a14:hiddenLine xmlns:a14="http://schemas.microsoft.com/office/drawing/2010/main" xmlns="" w="9525">
                   <a:solidFill>
                     <a:srgbClr val="000000"/>
                   </a:solidFill>
@@ -3087,7 +3087,7 @@
             </a:ln>
             <a:extLst>
               <a:ext uri="{91240B29-F687-4f45-9708-019B960494DF}">
-                <a14:hiddenLine xmlns="" xmlns:a14="http://schemas.microsoft.com/office/drawing/2010/main" w="9525">
+                <a14:hiddenLine xmlns:a14="http://schemas.microsoft.com/office/drawing/2010/main" xmlns="" w="9525">
                   <a:solidFill>
                     <a:srgbClr val="000000"/>
                   </a:solidFill>
@@ -3177,7 +3177,7 @@
             </a:ln>
             <a:extLst>
               <a:ext uri="{91240B29-F687-4f45-9708-019B960494DF}">
-                <a14:hiddenLine xmlns="" xmlns:a14="http://schemas.microsoft.com/office/drawing/2010/main" w="9525">
+                <a14:hiddenLine xmlns:a14="http://schemas.microsoft.com/office/drawing/2010/main" xmlns="" w="9525">
                   <a:solidFill>
                     <a:srgbClr val="000000"/>
                   </a:solidFill>
@@ -3211,7 +3211,7 @@
             </a:ln>
             <a:extLst>
               <a:ext uri="{91240B29-F687-4f45-9708-019B960494DF}">
-                <a14:hiddenLine xmlns="" xmlns:a14="http://schemas.microsoft.com/office/drawing/2010/main" w="9525">
+                <a14:hiddenLine xmlns:a14="http://schemas.microsoft.com/office/drawing/2010/main" xmlns="" w="9525">
                   <a:solidFill>
                     <a:srgbClr val="000000"/>
                   </a:solidFill>
@@ -3276,7 +3276,7 @@
             </a:ln>
             <a:extLst>
               <a:ext uri="{91240B29-F687-4f45-9708-019B960494DF}">
-                <a14:hiddenLine xmlns="" xmlns:a14="http://schemas.microsoft.com/office/drawing/2010/main" w="9525">
+                <a14:hiddenLine xmlns:a14="http://schemas.microsoft.com/office/drawing/2010/main" xmlns="" w="9525">
                   <a:solidFill>
                     <a:srgbClr val="000000"/>
                   </a:solidFill>
@@ -3366,7 +3366,7 @@
             </a:ln>
             <a:extLst>
               <a:ext uri="{91240B29-F687-4f45-9708-019B960494DF}">
-                <a14:hiddenLine xmlns="" xmlns:a14="http://schemas.microsoft.com/office/drawing/2010/main" w="9525">
+                <a14:hiddenLine xmlns:a14="http://schemas.microsoft.com/office/drawing/2010/main" xmlns="" w="9525">
                   <a:solidFill>
                     <a:srgbClr val="000000"/>
                   </a:solidFill>
@@ -3428,7 +3428,7 @@
             </a:ln>
             <a:extLst>
               <a:ext uri="{91240B29-F687-4f45-9708-019B960494DF}">
-                <a14:hiddenLine xmlns="" xmlns:a14="http://schemas.microsoft.com/office/drawing/2010/main" w="9525">
+                <a14:hiddenLine xmlns:a14="http://schemas.microsoft.com/office/drawing/2010/main" xmlns="" w="9525">
                   <a:solidFill>
                     <a:srgbClr val="000000"/>
                   </a:solidFill>
@@ -3518,7 +3518,7 @@
             </a:ln>
             <a:extLst>
               <a:ext uri="{91240B29-F687-4f45-9708-019B960494DF}">
-                <a14:hiddenLine xmlns="" xmlns:a14="http://schemas.microsoft.com/office/drawing/2010/main" w="9525">
+                <a14:hiddenLine xmlns:a14="http://schemas.microsoft.com/office/drawing/2010/main" xmlns="" w="9525">
                   <a:solidFill>
                     <a:srgbClr val="000000"/>
                   </a:solidFill>
@@ -3608,7 +3608,7 @@
             </a:ln>
             <a:extLst>
               <a:ext uri="{91240B29-F687-4f45-9708-019B960494DF}">
-                <a14:hiddenLine xmlns="" xmlns:a14="http://schemas.microsoft.com/office/drawing/2010/main" w="9525">
+                <a14:hiddenLine xmlns:a14="http://schemas.microsoft.com/office/drawing/2010/main" xmlns="" w="9525">
                   <a:solidFill>
                     <a:srgbClr val="000000"/>
                   </a:solidFill>
@@ -3673,7 +3673,7 @@
             </a:ln>
             <a:extLst>
               <a:ext uri="{91240B29-F687-4f45-9708-019B960494DF}">
-                <a14:hiddenLine xmlns="" xmlns:a14="http://schemas.microsoft.com/office/drawing/2010/main" w="9525">
+                <a14:hiddenLine xmlns:a14="http://schemas.microsoft.com/office/drawing/2010/main" xmlns="" w="9525">
                   <a:solidFill>
                     <a:srgbClr val="000000"/>
                   </a:solidFill>
@@ -3735,7 +3735,7 @@
             </a:ln>
             <a:extLst>
               <a:ext uri="{91240B29-F687-4f45-9708-019B960494DF}">
-                <a14:hiddenLine xmlns="" xmlns:a14="http://schemas.microsoft.com/office/drawing/2010/main" w="9525">
+                <a14:hiddenLine xmlns:a14="http://schemas.microsoft.com/office/drawing/2010/main" xmlns="" w="9525">
                   <a:solidFill>
                     <a:srgbClr val="000000"/>
                   </a:solidFill>
@@ -3825,7 +3825,7 @@
             </a:ln>
             <a:extLst>
               <a:ext uri="{91240B29-F687-4f45-9708-019B960494DF}">
-                <a14:hiddenLine xmlns="" xmlns:a14="http://schemas.microsoft.com/office/drawing/2010/main" w="9525">
+                <a14:hiddenLine xmlns:a14="http://schemas.microsoft.com/office/drawing/2010/main" xmlns="" w="9525">
                   <a:solidFill>
                     <a:srgbClr val="000000"/>
                   </a:solidFill>
@@ -3915,7 +3915,7 @@
             </a:ln>
             <a:extLst>
               <a:ext uri="{91240B29-F687-4f45-9708-019B960494DF}">
-                <a14:hiddenLine xmlns="" xmlns:a14="http://schemas.microsoft.com/office/drawing/2010/main" w="9525">
+                <a14:hiddenLine xmlns:a14="http://schemas.microsoft.com/office/drawing/2010/main" xmlns="" w="9525">
                   <a:solidFill>
                     <a:srgbClr val="000000"/>
                   </a:solidFill>
@@ -3977,7 +3977,7 @@
             </a:ln>
             <a:extLst>
               <a:ext uri="{91240B29-F687-4f45-9708-019B960494DF}">
-                <a14:hiddenLine xmlns="" xmlns:a14="http://schemas.microsoft.com/office/drawing/2010/main" w="9525">
+                <a14:hiddenLine xmlns:a14="http://schemas.microsoft.com/office/drawing/2010/main" xmlns="" w="9525">
                   <a:solidFill>
                     <a:srgbClr val="000000"/>
                   </a:solidFill>
@@ -4097,7 +4097,7 @@
             </a:ln>
             <a:extLst>
               <a:ext uri="{91240B29-F687-4f45-9708-019B960494DF}">
-                <a14:hiddenLine xmlns="" xmlns:a14="http://schemas.microsoft.com/office/drawing/2010/main" w="9525">
+                <a14:hiddenLine xmlns:a14="http://schemas.microsoft.com/office/drawing/2010/main" xmlns="" w="9525">
                   <a:solidFill>
                     <a:srgbClr val="000000"/>
                   </a:solidFill>
@@ -4165,7 +4165,7 @@
             </a:ln>
             <a:extLst>
               <a:ext uri="{91240B29-F687-4f45-9708-019B960494DF}">
-                <a14:hiddenLine xmlns="" xmlns:a14="http://schemas.microsoft.com/office/drawing/2010/main" w="9525">
+                <a14:hiddenLine xmlns:a14="http://schemas.microsoft.com/office/drawing/2010/main" xmlns="" w="9525">
                   <a:solidFill>
                     <a:srgbClr val="000000"/>
                   </a:solidFill>
@@ -4255,7 +4255,7 @@
             </a:ln>
             <a:extLst>
               <a:ext uri="{91240B29-F687-4f45-9708-019B960494DF}">
-                <a14:hiddenLine xmlns="" xmlns:a14="http://schemas.microsoft.com/office/drawing/2010/main" w="9525">
+                <a14:hiddenLine xmlns:a14="http://schemas.microsoft.com/office/drawing/2010/main" xmlns="" w="9525">
                   <a:solidFill>
                     <a:srgbClr val="000000"/>
                   </a:solidFill>
@@ -4395,7 +4395,7 @@
           <a:p>
             <a:fld id="{48A87A34-81AB-432B-8DAE-1953F412C126}" type="datetimeFigureOut">
               <a:rPr lang="en-US" dirty="0"/>
-              <a:t>03-Dec-17</a:t>
+              <a:t>09-Dec-17</a:t>
             </a:fld>
             <a:endParaRPr lang="en-US" dirty="0"/>
           </a:p>
@@ -4657,7 +4657,7 @@
           <a:p>
             <a:fld id="{48A87A34-81AB-432B-8DAE-1953F412C126}" type="datetimeFigureOut">
               <a:rPr lang="en-US" dirty="0"/>
-              <a:t>03-Dec-17</a:t>
+              <a:t>09-Dec-17</a:t>
             </a:fld>
             <a:endParaRPr lang="en-US" dirty="0"/>
           </a:p>
@@ -4848,7 +4848,7 @@
           <a:p>
             <a:fld id="{48A87A34-81AB-432B-8DAE-1953F412C126}" type="datetimeFigureOut">
               <a:rPr lang="en-US" dirty="0"/>
-              <a:t>03-Dec-17</a:t>
+              <a:t>09-Dec-17</a:t>
             </a:fld>
             <a:endParaRPr lang="en-US" dirty="0"/>
           </a:p>
@@ -5106,7 +5106,7 @@
           <a:p>
             <a:fld id="{48A87A34-81AB-432B-8DAE-1953F412C126}" type="datetimeFigureOut">
               <a:rPr lang="en-US" dirty="0"/>
-              <a:t>03-Dec-17</a:t>
+              <a:t>09-Dec-17</a:t>
             </a:fld>
             <a:endParaRPr lang="en-US" dirty="0"/>
           </a:p>
@@ -5535,7 +5535,7 @@
           <a:p>
             <a:fld id="{48A87A34-81AB-432B-8DAE-1953F412C126}" type="datetimeFigureOut">
               <a:rPr lang="en-US" dirty="0"/>
-              <a:t>03-Dec-17</a:t>
+              <a:t>09-Dec-17</a:t>
             </a:fld>
             <a:endParaRPr lang="en-US" dirty="0"/>
           </a:p>
@@ -6076,7 +6076,7 @@
           <a:p>
             <a:fld id="{48A87A34-81AB-432B-8DAE-1953F412C126}" type="datetimeFigureOut">
               <a:rPr lang="en-US" dirty="0"/>
-              <a:t>03-Dec-17</a:t>
+              <a:t>09-Dec-17</a:t>
             </a:fld>
             <a:endParaRPr lang="en-US" dirty="0"/>
           </a:p>
@@ -6791,7 +6791,7 @@
           <a:p>
             <a:fld id="{48A87A34-81AB-432B-8DAE-1953F412C126}" type="datetimeFigureOut">
               <a:rPr lang="en-US" dirty="0"/>
-              <a:t>03-Dec-17</a:t>
+              <a:t>09-Dec-17</a:t>
             </a:fld>
             <a:endParaRPr lang="en-US" dirty="0"/>
           </a:p>
@@ -6956,7 +6956,7 @@
           <a:p>
             <a:fld id="{48A87A34-81AB-432B-8DAE-1953F412C126}" type="datetimeFigureOut">
               <a:rPr lang="en-US" dirty="0"/>
-              <a:t>03-Dec-17</a:t>
+              <a:t>09-Dec-17</a:t>
             </a:fld>
             <a:endParaRPr lang="en-US" dirty="0"/>
           </a:p>
@@ -7131,7 +7131,7 @@
           <a:p>
             <a:fld id="{48A87A34-81AB-432B-8DAE-1953F412C126}" type="datetimeFigureOut">
               <a:rPr lang="en-US" dirty="0"/>
-              <a:t>03-Dec-17</a:t>
+              <a:t>09-Dec-17</a:t>
             </a:fld>
             <a:endParaRPr lang="en-US" dirty="0"/>
           </a:p>
@@ -7296,7 +7296,7 @@
           <a:p>
             <a:fld id="{48A87A34-81AB-432B-8DAE-1953F412C126}" type="datetimeFigureOut">
               <a:rPr lang="en-US" dirty="0"/>
-              <a:t>03-Dec-17</a:t>
+              <a:t>09-Dec-17</a:t>
             </a:fld>
             <a:endParaRPr lang="en-US" dirty="0"/>
           </a:p>
@@ -7541,7 +7541,7 @@
           <a:p>
             <a:fld id="{48A87A34-81AB-432B-8DAE-1953F412C126}" type="datetimeFigureOut">
               <a:rPr lang="en-US" dirty="0"/>
-              <a:t>03-Dec-17</a:t>
+              <a:t>09-Dec-17</a:t>
             </a:fld>
             <a:endParaRPr lang="en-US" dirty="0"/>
           </a:p>
@@ -7768,7 +7768,7 @@
           <a:p>
             <a:fld id="{48A87A34-81AB-432B-8DAE-1953F412C126}" type="datetimeFigureOut">
               <a:rPr lang="en-US" dirty="0"/>
-              <a:t>03-Dec-17</a:t>
+              <a:t>09-Dec-17</a:t>
             </a:fld>
             <a:endParaRPr lang="en-US" dirty="0"/>
           </a:p>
@@ -8144,7 +8144,7 @@
           <a:p>
             <a:fld id="{48A87A34-81AB-432B-8DAE-1953F412C126}" type="datetimeFigureOut">
               <a:rPr lang="en-US" dirty="0"/>
-              <a:t>03-Dec-17</a:t>
+              <a:t>09-Dec-17</a:t>
             </a:fld>
             <a:endParaRPr lang="en-US" dirty="0"/>
           </a:p>
@@ -8257,7 +8257,7 @@
           <a:p>
             <a:fld id="{48A87A34-81AB-432B-8DAE-1953F412C126}" type="datetimeFigureOut">
               <a:rPr lang="en-US" dirty="0"/>
-              <a:t>03-Dec-17</a:t>
+              <a:t>09-Dec-17</a:t>
             </a:fld>
             <a:endParaRPr lang="en-US" dirty="0"/>
           </a:p>
@@ -8347,7 +8347,7 @@
           <a:p>
             <a:fld id="{48A87A34-81AB-432B-8DAE-1953F412C126}" type="datetimeFigureOut">
               <a:rPr lang="en-US" dirty="0"/>
-              <a:t>03-Dec-17</a:t>
+              <a:t>09-Dec-17</a:t>
             </a:fld>
             <a:endParaRPr lang="en-US" dirty="0"/>
           </a:p>
@@ -8591,7 +8591,7 @@
           <a:p>
             <a:fld id="{48A87A34-81AB-432B-8DAE-1953F412C126}" type="datetimeFigureOut">
               <a:rPr lang="en-US" dirty="0"/>
-              <a:t>03-Dec-17</a:t>
+              <a:t>09-Dec-17</a:t>
             </a:fld>
             <a:endParaRPr lang="en-US" dirty="0"/>
           </a:p>
@@ -8866,7 +8866,7 @@
           <a:p>
             <a:fld id="{48A87A34-81AB-432B-8DAE-1953F412C126}" type="datetimeFigureOut">
               <a:rPr lang="en-US" dirty="0"/>
-              <a:t>03-Dec-17</a:t>
+              <a:t>09-Dec-17</a:t>
             </a:fld>
             <a:endParaRPr lang="en-US" dirty="0"/>
           </a:p>
@@ -8977,7 +8977,7 @@
           <a:noFill/>
           <a:extLst>
             <a:ext uri="{909E8E84-426E-40dd-AFC4-6F175D3DCCD1}">
-              <a14:hiddenFill xmlns="" xmlns:a14="http://schemas.microsoft.com/office/drawing/2010/main">
+              <a14:hiddenFill xmlns:a14="http://schemas.microsoft.com/office/drawing/2010/main" xmlns="">
                 <a:solidFill>
                   <a:srgbClr val="FFFFFF"/>
                 </a:solidFill>
@@ -9051,7 +9051,7 @@
               </a:ln>
               <a:extLst>
                 <a:ext uri="{91240B29-F687-4f45-9708-019B960494DF}">
-                  <a14:hiddenLine xmlns="" xmlns:a14="http://schemas.microsoft.com/office/drawing/2010/main" w="9525">
+                  <a14:hiddenLine xmlns:a14="http://schemas.microsoft.com/office/drawing/2010/main" xmlns="" w="9525">
                     <a:solidFill>
                       <a:srgbClr val="000000"/>
                     </a:solidFill>
@@ -9141,7 +9141,7 @@
               </a:ln>
               <a:extLst>
                 <a:ext uri="{91240B29-F687-4f45-9708-019B960494DF}">
-                  <a14:hiddenLine xmlns="" xmlns:a14="http://schemas.microsoft.com/office/drawing/2010/main" w="9525">
+                  <a14:hiddenLine xmlns:a14="http://schemas.microsoft.com/office/drawing/2010/main" xmlns="" w="9525">
                     <a:solidFill>
                       <a:srgbClr val="000000"/>
                     </a:solidFill>
@@ -9231,7 +9231,7 @@
               </a:ln>
               <a:extLst>
                 <a:ext uri="{91240B29-F687-4f45-9708-019B960494DF}">
-                  <a14:hiddenLine xmlns="" xmlns:a14="http://schemas.microsoft.com/office/drawing/2010/main" w="9525">
+                  <a14:hiddenLine xmlns:a14="http://schemas.microsoft.com/office/drawing/2010/main" xmlns="" w="9525">
                     <a:solidFill>
                       <a:srgbClr val="000000"/>
                     </a:solidFill>
@@ -9293,7 +9293,7 @@
               </a:ln>
               <a:extLst>
                 <a:ext uri="{91240B29-F687-4f45-9708-019B960494DF}">
-                  <a14:hiddenLine xmlns="" xmlns:a14="http://schemas.microsoft.com/office/drawing/2010/main" w="9525">
+                  <a14:hiddenLine xmlns:a14="http://schemas.microsoft.com/office/drawing/2010/main" xmlns="" w="9525">
                     <a:solidFill>
                       <a:srgbClr val="000000"/>
                     </a:solidFill>
@@ -9383,7 +9383,7 @@
               </a:ln>
               <a:extLst>
                 <a:ext uri="{91240B29-F687-4f45-9708-019B960494DF}">
-                  <a14:hiddenLine xmlns="" xmlns:a14="http://schemas.microsoft.com/office/drawing/2010/main" w="9525">
+                  <a14:hiddenLine xmlns:a14="http://schemas.microsoft.com/office/drawing/2010/main" xmlns="" w="9525">
                     <a:solidFill>
                       <a:srgbClr val="000000"/>
                     </a:solidFill>
@@ -9445,7 +9445,7 @@
               </a:ln>
               <a:extLst>
                 <a:ext uri="{91240B29-F687-4f45-9708-019B960494DF}">
-                  <a14:hiddenLine xmlns="" xmlns:a14="http://schemas.microsoft.com/office/drawing/2010/main" w="9525">
+                  <a14:hiddenLine xmlns:a14="http://schemas.microsoft.com/office/drawing/2010/main" xmlns="" w="9525">
                     <a:solidFill>
                       <a:srgbClr val="000000"/>
                     </a:solidFill>
@@ -9507,7 +9507,7 @@
               </a:ln>
               <a:extLst>
                 <a:ext uri="{91240B29-F687-4f45-9708-019B960494DF}">
-                  <a14:hiddenLine xmlns="" xmlns:a14="http://schemas.microsoft.com/office/drawing/2010/main" w="9525">
+                  <a14:hiddenLine xmlns:a14="http://schemas.microsoft.com/office/drawing/2010/main" xmlns="" w="9525">
                     <a:solidFill>
                       <a:srgbClr val="000000"/>
                     </a:solidFill>
@@ -9597,7 +9597,7 @@
               </a:ln>
               <a:extLst>
                 <a:ext uri="{91240B29-F687-4f45-9708-019B960494DF}">
-                  <a14:hiddenLine xmlns="" xmlns:a14="http://schemas.microsoft.com/office/drawing/2010/main" w="9525">
+                  <a14:hiddenLine xmlns:a14="http://schemas.microsoft.com/office/drawing/2010/main" xmlns="" w="9525">
                     <a:solidFill>
                       <a:srgbClr val="000000"/>
                     </a:solidFill>
@@ -9687,7 +9687,7 @@
               </a:ln>
               <a:extLst>
                 <a:ext uri="{91240B29-F687-4f45-9708-019B960494DF}">
-                  <a14:hiddenLine xmlns="" xmlns:a14="http://schemas.microsoft.com/office/drawing/2010/main" w="9525">
+                  <a14:hiddenLine xmlns:a14="http://schemas.microsoft.com/office/drawing/2010/main" xmlns="" w="9525">
                     <a:solidFill>
                       <a:srgbClr val="000000"/>
                     </a:solidFill>
@@ -9749,7 +9749,7 @@
               </a:ln>
               <a:extLst>
                 <a:ext uri="{91240B29-F687-4f45-9708-019B960494DF}">
-                  <a14:hiddenLine xmlns="" xmlns:a14="http://schemas.microsoft.com/office/drawing/2010/main" w="9525">
+                  <a14:hiddenLine xmlns:a14="http://schemas.microsoft.com/office/drawing/2010/main" xmlns="" w="9525">
                     <a:solidFill>
                       <a:srgbClr val="000000"/>
                     </a:solidFill>
@@ -9859,7 +9859,7 @@
               </a:ln>
               <a:extLst>
                 <a:ext uri="{91240B29-F687-4f45-9708-019B960494DF}">
-                  <a14:hiddenLine xmlns="" xmlns:a14="http://schemas.microsoft.com/office/drawing/2010/main" w="9525">
+                  <a14:hiddenLine xmlns:a14="http://schemas.microsoft.com/office/drawing/2010/main" xmlns="" w="9525">
                     <a:solidFill>
                       <a:srgbClr val="000000"/>
                     </a:solidFill>
@@ -9943,7 +9943,7 @@
               </a:ln>
               <a:extLst>
                 <a:ext uri="{91240B29-F687-4f45-9708-019B960494DF}">
-                  <a14:hiddenLine xmlns="" xmlns:a14="http://schemas.microsoft.com/office/drawing/2010/main" w="9525">
+                  <a14:hiddenLine xmlns:a14="http://schemas.microsoft.com/office/drawing/2010/main" xmlns="" w="9525">
                     <a:solidFill>
                       <a:srgbClr val="000000"/>
                     </a:solidFill>
@@ -10005,7 +10005,7 @@
               </a:ln>
               <a:extLst>
                 <a:ext uri="{91240B29-F687-4f45-9708-019B960494DF}">
-                  <a14:hiddenLine xmlns="" xmlns:a14="http://schemas.microsoft.com/office/drawing/2010/main" w="9525">
+                  <a14:hiddenLine xmlns:a14="http://schemas.microsoft.com/office/drawing/2010/main" xmlns="" w="9525">
                     <a:solidFill>
                       <a:srgbClr val="000000"/>
                     </a:solidFill>
@@ -10067,7 +10067,7 @@
               </a:ln>
               <a:extLst>
                 <a:ext uri="{91240B29-F687-4f45-9708-019B960494DF}">
-                  <a14:hiddenLine xmlns="" xmlns:a14="http://schemas.microsoft.com/office/drawing/2010/main" w="9525">
+                  <a14:hiddenLine xmlns:a14="http://schemas.microsoft.com/office/drawing/2010/main" xmlns="" w="9525">
                     <a:solidFill>
                       <a:srgbClr val="000000"/>
                     </a:solidFill>
@@ -10157,7 +10157,7 @@
               </a:ln>
               <a:extLst>
                 <a:ext uri="{91240B29-F687-4f45-9708-019B960494DF}">
-                  <a14:hiddenLine xmlns="" xmlns:a14="http://schemas.microsoft.com/office/drawing/2010/main" w="9525">
+                  <a14:hiddenLine xmlns:a14="http://schemas.microsoft.com/office/drawing/2010/main" xmlns="" w="9525">
                     <a:solidFill>
                       <a:srgbClr val="000000"/>
                     </a:solidFill>
@@ -10191,7 +10191,7 @@
               </a:ln>
               <a:extLst>
                 <a:ext uri="{91240B29-F687-4f45-9708-019B960494DF}">
-                  <a14:hiddenLine xmlns="" xmlns:a14="http://schemas.microsoft.com/office/drawing/2010/main" w="9525">
+                  <a14:hiddenLine xmlns:a14="http://schemas.microsoft.com/office/drawing/2010/main" xmlns="" w="9525">
                     <a:solidFill>
                       <a:srgbClr val="000000"/>
                     </a:solidFill>
@@ -10256,7 +10256,7 @@
               </a:ln>
               <a:extLst>
                 <a:ext uri="{91240B29-F687-4f45-9708-019B960494DF}">
-                  <a14:hiddenLine xmlns="" xmlns:a14="http://schemas.microsoft.com/office/drawing/2010/main" w="9525">
+                  <a14:hiddenLine xmlns:a14="http://schemas.microsoft.com/office/drawing/2010/main" xmlns="" w="9525">
                     <a:solidFill>
                       <a:srgbClr val="000000"/>
                     </a:solidFill>
@@ -10346,7 +10346,7 @@
               </a:ln>
               <a:extLst>
                 <a:ext uri="{91240B29-F687-4f45-9708-019B960494DF}">
-                  <a14:hiddenLine xmlns="" xmlns:a14="http://schemas.microsoft.com/office/drawing/2010/main" w="9525">
+                  <a14:hiddenLine xmlns:a14="http://schemas.microsoft.com/office/drawing/2010/main" xmlns="" w="9525">
                     <a:solidFill>
                       <a:srgbClr val="000000"/>
                     </a:solidFill>
@@ -10408,7 +10408,7 @@
               </a:ln>
               <a:extLst>
                 <a:ext uri="{91240B29-F687-4f45-9708-019B960494DF}">
-                  <a14:hiddenLine xmlns="" xmlns:a14="http://schemas.microsoft.com/office/drawing/2010/main" w="9525">
+                  <a14:hiddenLine xmlns:a14="http://schemas.microsoft.com/office/drawing/2010/main" xmlns="" w="9525">
                     <a:solidFill>
                       <a:srgbClr val="000000"/>
                     </a:solidFill>
@@ -10498,7 +10498,7 @@
               </a:ln>
               <a:extLst>
                 <a:ext uri="{91240B29-F687-4f45-9708-019B960494DF}">
-                  <a14:hiddenLine xmlns="" xmlns:a14="http://schemas.microsoft.com/office/drawing/2010/main" w="9525">
+                  <a14:hiddenLine xmlns:a14="http://schemas.microsoft.com/office/drawing/2010/main" xmlns="" w="9525">
                     <a:solidFill>
                       <a:srgbClr val="000000"/>
                     </a:solidFill>
@@ -10563,7 +10563,7 @@
               </a:ln>
               <a:extLst>
                 <a:ext uri="{91240B29-F687-4f45-9708-019B960494DF}">
-                  <a14:hiddenLine xmlns="" xmlns:a14="http://schemas.microsoft.com/office/drawing/2010/main" w="9525">
+                  <a14:hiddenLine xmlns:a14="http://schemas.microsoft.com/office/drawing/2010/main" xmlns="" w="9525">
                     <a:solidFill>
                       <a:srgbClr val="000000"/>
                     </a:solidFill>
@@ -10625,7 +10625,7 @@
               </a:ln>
               <a:extLst>
                 <a:ext uri="{91240B29-F687-4f45-9708-019B960494DF}">
-                  <a14:hiddenLine xmlns="" xmlns:a14="http://schemas.microsoft.com/office/drawing/2010/main" w="9525">
+                  <a14:hiddenLine xmlns:a14="http://schemas.microsoft.com/office/drawing/2010/main" xmlns="" w="9525">
                     <a:solidFill>
                       <a:srgbClr val="000000"/>
                     </a:solidFill>
@@ -10715,7 +10715,7 @@
               </a:ln>
               <a:extLst>
                 <a:ext uri="{91240B29-F687-4f45-9708-019B960494DF}">
-                  <a14:hiddenLine xmlns="" xmlns:a14="http://schemas.microsoft.com/office/drawing/2010/main" w="9525">
+                  <a14:hiddenLine xmlns:a14="http://schemas.microsoft.com/office/drawing/2010/main" xmlns="" w="9525">
                     <a:solidFill>
                       <a:srgbClr val="000000"/>
                     </a:solidFill>
@@ -10805,7 +10805,7 @@
               </a:ln>
               <a:extLst>
                 <a:ext uri="{91240B29-F687-4f45-9708-019B960494DF}">
-                  <a14:hiddenLine xmlns="" xmlns:a14="http://schemas.microsoft.com/office/drawing/2010/main" w="9525">
+                  <a14:hiddenLine xmlns:a14="http://schemas.microsoft.com/office/drawing/2010/main" xmlns="" w="9525">
                     <a:solidFill>
                       <a:srgbClr val="000000"/>
                     </a:solidFill>
@@ -10870,7 +10870,7 @@
               </a:ln>
               <a:extLst>
                 <a:ext uri="{91240B29-F687-4f45-9708-019B960494DF}">
-                  <a14:hiddenLine xmlns="" xmlns:a14="http://schemas.microsoft.com/office/drawing/2010/main" w="9525">
+                  <a14:hiddenLine xmlns:a14="http://schemas.microsoft.com/office/drawing/2010/main" xmlns="" w="9525">
                     <a:solidFill>
                       <a:srgbClr val="000000"/>
                     </a:solidFill>
@@ -10990,7 +10990,7 @@
               </a:ln>
               <a:extLst>
                 <a:ext uri="{91240B29-F687-4f45-9708-019B960494DF}">
-                  <a14:hiddenLine xmlns="" xmlns:a14="http://schemas.microsoft.com/office/drawing/2010/main" w="9525">
+                  <a14:hiddenLine xmlns:a14="http://schemas.microsoft.com/office/drawing/2010/main" xmlns="" w="9525">
                     <a:solidFill>
                       <a:srgbClr val="000000"/>
                     </a:solidFill>
@@ -11088,7 +11088,7 @@
               </a:ln>
               <a:extLst>
                 <a:ext uri="{91240B29-F687-4f45-9708-019B960494DF}">
-                  <a14:hiddenLine xmlns="" xmlns:a14="http://schemas.microsoft.com/office/drawing/2010/main" w="9525">
+                  <a14:hiddenLine xmlns:a14="http://schemas.microsoft.com/office/drawing/2010/main" xmlns="" w="9525">
                     <a:solidFill>
                       <a:srgbClr val="000000"/>
                     </a:solidFill>
@@ -11203,7 +11203,7 @@
               </a:ln>
               <a:extLst>
                 <a:ext uri="{91240B29-F687-4f45-9708-019B960494DF}">
-                  <a14:hiddenLine xmlns="" xmlns:a14="http://schemas.microsoft.com/office/drawing/2010/main" w="9525">
+                  <a14:hiddenLine xmlns:a14="http://schemas.microsoft.com/office/drawing/2010/main" xmlns="" w="9525">
                     <a:solidFill>
                       <a:srgbClr val="000000"/>
                     </a:solidFill>
@@ -11293,7 +11293,7 @@
               </a:ln>
               <a:extLst>
                 <a:ext uri="{91240B29-F687-4f45-9708-019B960494DF}">
-                  <a14:hiddenLine xmlns="" xmlns:a14="http://schemas.microsoft.com/office/drawing/2010/main" w="9525">
+                  <a14:hiddenLine xmlns:a14="http://schemas.microsoft.com/office/drawing/2010/main" xmlns="" w="9525">
                     <a:solidFill>
                       <a:srgbClr val="000000"/>
                     </a:solidFill>
@@ -11358,7 +11358,7 @@
               </a:ln>
               <a:extLst>
                 <a:ext uri="{91240B29-F687-4f45-9708-019B960494DF}">
-                  <a14:hiddenLine xmlns="" xmlns:a14="http://schemas.microsoft.com/office/drawing/2010/main" w="9525">
+                  <a14:hiddenLine xmlns:a14="http://schemas.microsoft.com/office/drawing/2010/main" xmlns="" w="9525">
                     <a:solidFill>
                       <a:srgbClr val="000000"/>
                     </a:solidFill>
@@ -11448,7 +11448,7 @@
               </a:ln>
               <a:extLst>
                 <a:ext uri="{91240B29-F687-4f45-9708-019B960494DF}">
-                  <a14:hiddenLine xmlns="" xmlns:a14="http://schemas.microsoft.com/office/drawing/2010/main" w="9525">
+                  <a14:hiddenLine xmlns:a14="http://schemas.microsoft.com/office/drawing/2010/main" xmlns="" w="9525">
                     <a:solidFill>
                       <a:srgbClr val="000000"/>
                     </a:solidFill>
@@ -11516,7 +11516,7 @@
               </a:ln>
               <a:extLst>
                 <a:ext uri="{91240B29-F687-4f45-9708-019B960494DF}">
-                  <a14:hiddenLine xmlns="" xmlns:a14="http://schemas.microsoft.com/office/drawing/2010/main" w="9525">
+                  <a14:hiddenLine xmlns:a14="http://schemas.microsoft.com/office/drawing/2010/main" xmlns="" w="9525">
                     <a:solidFill>
                       <a:srgbClr val="000000"/>
                     </a:solidFill>
@@ -11606,7 +11606,7 @@
               </a:ln>
               <a:extLst>
                 <a:ext uri="{91240B29-F687-4f45-9708-019B960494DF}">
-                  <a14:hiddenLine xmlns="" xmlns:a14="http://schemas.microsoft.com/office/drawing/2010/main" w="9525">
+                  <a14:hiddenLine xmlns:a14="http://schemas.microsoft.com/office/drawing/2010/main" xmlns="" w="9525">
                     <a:solidFill>
                       <a:srgbClr val="000000"/>
                     </a:solidFill>
@@ -11674,7 +11674,7 @@
               </a:ln>
               <a:extLst>
                 <a:ext uri="{91240B29-F687-4f45-9708-019B960494DF}">
-                  <a14:hiddenLine xmlns="" xmlns:a14="http://schemas.microsoft.com/office/drawing/2010/main" w="9525">
+                  <a14:hiddenLine xmlns:a14="http://schemas.microsoft.com/office/drawing/2010/main" xmlns="" w="9525">
                     <a:solidFill>
                       <a:srgbClr val="000000"/>
                     </a:solidFill>
@@ -11764,7 +11764,7 @@
               </a:ln>
               <a:extLst>
                 <a:ext uri="{91240B29-F687-4f45-9708-019B960494DF}">
-                  <a14:hiddenLine xmlns="" xmlns:a14="http://schemas.microsoft.com/office/drawing/2010/main" w="9525">
+                  <a14:hiddenLine xmlns:a14="http://schemas.microsoft.com/office/drawing/2010/main" xmlns="" w="9525">
                     <a:solidFill>
                       <a:srgbClr val="000000"/>
                     </a:solidFill>
@@ -11798,7 +11798,7 @@
               </a:ln>
               <a:extLst>
                 <a:ext uri="{91240B29-F687-4f45-9708-019B960494DF}">
-                  <a14:hiddenLine xmlns="" xmlns:a14="http://schemas.microsoft.com/office/drawing/2010/main" w="9525">
+                  <a14:hiddenLine xmlns:a14="http://schemas.microsoft.com/office/drawing/2010/main" xmlns="" w="9525">
                     <a:solidFill>
                       <a:srgbClr val="000000"/>
                     </a:solidFill>
@@ -11939,7 +11939,7 @@
             <a:fld id="{48A87A34-81AB-432B-8DAE-1953F412C126}" type="datetimeFigureOut">
               <a:rPr lang="en-US" dirty="0"/>
               <a:pPr/>
-              <a:t>03-Dec-17</a:t>
+              <a:t>09-Dec-17</a:t>
             </a:fld>
             <a:endParaRPr lang="en-US" dirty="0"/>
           </a:p>
@@ -12610,7 +12610,7 @@
         <p:spPr>
           <a:xfrm>
             <a:off x="7103762" y="3408832"/>
-            <a:ext cx="5344732" cy="369332"/>
+            <a:ext cx="5344732" cy="646331"/>
           </a:xfrm>
           <a:prstGeom prst="rect">
             <a:avLst/>
@@ -12625,7 +12625,21 @@
           <a:p>
             <a:r>
               <a:rPr lang="en-AU" dirty="0"/>
-              <a:t>On Rajasthan Hackathon 3.0 - Udaipur</a:t>
+              <a:t>On Rajasthan Hackathon 3.0 – Udaipur</a:t>
+            </a:r>
+          </a:p>
+          <a:p>
+            <a:r>
+              <a:rPr lang="en-AU" dirty="0"/>
+              <a:t>On </a:t>
+            </a:r>
+            <a:r>
+              <a:rPr lang="en-AU" dirty="0" err="1"/>
+              <a:t>Hasura</a:t>
+            </a:r>
+            <a:r>
+              <a:rPr lang="en-AU" dirty="0"/>
+              <a:t> Hackathon</a:t>
             </a:r>
             <a:endParaRPr lang="en-IN" dirty="0"/>
           </a:p>
@@ -12703,85 +12717,283 @@
       </p:sp>
       <p:sp>
         <p:nvSpPr>
-          <p:cNvPr id="9" name="TextBox 8"/>
-          <p:cNvSpPr txBox="1"/>
+          <p:cNvPr id="3" name="Rectangle 2">
+            <a:extLst>
+              <a:ext uri="{FF2B5EF4-FFF2-40B4-BE49-F238E27FC236}">
+                <a16:creationId xmlns:a16="http://schemas.microsoft.com/office/drawing/2014/main" id="{74F3B25B-BD74-4EA5-836D-A83582049AF3}"/>
+              </a:ext>
+            </a:extLst>
+          </p:cNvPr>
+          <p:cNvSpPr/>
           <p:nvPr/>
         </p:nvSpPr>
         <p:spPr>
           <a:xfrm>
-            <a:off x="1141412" y="1300766"/>
-            <a:ext cx="9316233" cy="4154984"/>
+            <a:off x="1061513" y="971612"/>
+            <a:ext cx="10488336" cy="1200329"/>
           </a:xfrm>
           <a:prstGeom prst="rect">
             <a:avLst/>
           </a:prstGeom>
-          <a:noFill/>
         </p:spPr>
         <p:txBody>
-          <a:bodyPr wrap="square" rtlCol="0">
+          <a:bodyPr wrap="square">
             <a:spAutoFit/>
           </a:bodyPr>
           <a:lstStyle/>
           <a:p>
+            <a:pPr algn="just"/>
             <a:r>
               <a:rPr lang="en-IN" dirty="0"/>
-              <a:t> </a:t>
+              <a:t> * First of all, starting with water requirement,</a:t>
+            </a:r>
+          </a:p>
+          <a:p>
+            <a:pPr algn="just"/>
+            <a:r>
+              <a:rPr lang="en-IN" dirty="0"/>
+              <a:t>	 the plant monitor has a moisture sensor that measures how wet your</a:t>
+            </a:r>
+          </a:p>
+          <a:p>
+            <a:pPr algn="just"/>
+            <a:r>
+              <a:rPr lang="en-IN" dirty="0"/>
+              <a:t> 	 plant’s soil is. If the plant needs watering, an LED lights up and blink until the</a:t>
+            </a:r>
+          </a:p>
+          <a:p>
+            <a:pPr lvl="1" algn="just"/>
+            <a:r>
+              <a:rPr lang="en-IN" dirty="0"/>
+              <a:t> plant’s been watered, and the string “Feed me! Feed me! I am dying” is repeatedly sent to your computer.</a:t>
+            </a:r>
+          </a:p>
+        </p:txBody>
+      </p:sp>
+      <p:sp>
+        <p:nvSpPr>
+          <p:cNvPr id="5" name="Rectangle 4">
+            <a:extLst>
+              <a:ext uri="{FF2B5EF4-FFF2-40B4-BE49-F238E27FC236}">
+                <a16:creationId xmlns:a16="http://schemas.microsoft.com/office/drawing/2014/main" id="{8D69A081-100E-4A49-AE72-26D3D33213DE}"/>
+              </a:ext>
+            </a:extLst>
+          </p:cNvPr>
+          <p:cNvSpPr/>
+          <p:nvPr/>
+        </p:nvSpPr>
+        <p:spPr>
+          <a:xfrm>
+            <a:off x="1061513" y="2171941"/>
+            <a:ext cx="10488336" cy="923330"/>
+          </a:xfrm>
+          <a:prstGeom prst="rect">
+            <a:avLst/>
+          </a:prstGeom>
+        </p:spPr>
+        <p:txBody>
+          <a:bodyPr wrap="square">
+            <a:spAutoFit/>
+          </a:bodyPr>
+          <a:lstStyle/>
+          <a:p>
+            <a:pPr algn="just"/>
+            <a:r>
+              <a:rPr lang="en-IN" dirty="0"/>
+              <a:t> * If the soil contains moderate water moisture, </a:t>
+            </a:r>
+          </a:p>
+          <a:p>
+            <a:pPr algn="just"/>
+            <a:r>
+              <a:rPr lang="en-IN" dirty="0"/>
+              <a:t>	then the plant monitor will keep on the led as well as the string “I need water, there is not sufficient water”</a:t>
+            </a:r>
+          </a:p>
+          <a:p>
+            <a:pPr algn="just"/>
+            <a:r>
+              <a:rPr lang="en-IN" dirty="0"/>
+              <a:t>	is sent to computer and smart phone</a:t>
+            </a:r>
+          </a:p>
+        </p:txBody>
+      </p:sp>
+      <p:sp>
+        <p:nvSpPr>
+          <p:cNvPr id="4" name="Rectangle 3">
+            <a:extLst>
+              <a:ext uri="{FF2B5EF4-FFF2-40B4-BE49-F238E27FC236}">
+                <a16:creationId xmlns:a16="http://schemas.microsoft.com/office/drawing/2014/main" id="{3C6AAD07-6453-46D3-99CC-035446F52B8C}"/>
+              </a:ext>
+            </a:extLst>
+          </p:cNvPr>
+          <p:cNvSpPr/>
+          <p:nvPr/>
+        </p:nvSpPr>
+        <p:spPr>
+          <a:xfrm>
+            <a:off x="1133061" y="3170860"/>
+            <a:ext cx="10212072" cy="646331"/>
+          </a:xfrm>
+          <a:prstGeom prst="rect">
+            <a:avLst/>
+          </a:prstGeom>
+        </p:spPr>
+        <p:txBody>
+          <a:bodyPr wrap="square">
+            <a:spAutoFit/>
+          </a:bodyPr>
+          <a:lstStyle/>
+          <a:p>
+            <a:r>
+              <a:rPr lang="en-IN" dirty="0"/>
+              <a:t>* When the plant has been watered, the LED switches off and the string “Thank you, Team </a:t>
             </a:r>
             <a:r>
-              <a:rPr lang="en-IN" sz="2400" dirty="0"/>
-              <a:t>*</a:t>
+              <a:rPr lang="en-IN" dirty="0" err="1"/>
+              <a:t>Ravana</a:t>
             </a:r>
             <a:r>
               <a:rPr lang="en-IN" dirty="0"/>
-              <a:t> </a:t>
+              <a:t>!” is sent 	once to your computer and smartphone.</a:t>
             </a:r>
+          </a:p>
+        </p:txBody>
+      </p:sp>
+      <p:sp>
+        <p:nvSpPr>
+          <p:cNvPr id="6" name="Rectangle 5">
+            <a:extLst>
+              <a:ext uri="{FF2B5EF4-FFF2-40B4-BE49-F238E27FC236}">
+                <a16:creationId xmlns:a16="http://schemas.microsoft.com/office/drawing/2014/main" id="{ABF8FCBC-B6D4-4FA5-A2CD-888B48E27490}"/>
+              </a:ext>
+            </a:extLst>
+          </p:cNvPr>
+          <p:cNvSpPr/>
+          <p:nvPr/>
+        </p:nvSpPr>
+        <p:spPr>
+          <a:xfrm>
+            <a:off x="1061513" y="3875207"/>
+            <a:ext cx="11272188" cy="369332"/>
+          </a:xfrm>
+          <a:prstGeom prst="rect">
+            <a:avLst/>
+          </a:prstGeom>
+        </p:spPr>
+        <p:txBody>
+          <a:bodyPr wrap="none">
+            <a:spAutoFit/>
+          </a:bodyPr>
+          <a:lstStyle/>
+          <a:p>
             <a:r>
-              <a:rPr lang="en-IN" sz="2400" dirty="0"/>
-              <a:t>The plant monitor has a moisture sensor that measures how wet your</a:t>
+              <a:rPr lang="en-IN" dirty="0"/>
+              <a:t>#There are therefore, Three conditions according to plant water requirement. This version of program is for normal plant.</a:t>
             </a:r>
           </a:p>
+        </p:txBody>
+      </p:sp>
+      <p:sp>
+        <p:nvSpPr>
+          <p:cNvPr id="8" name="Rectangle 7">
+            <a:extLst>
+              <a:ext uri="{FF2B5EF4-FFF2-40B4-BE49-F238E27FC236}">
+                <a16:creationId xmlns:a16="http://schemas.microsoft.com/office/drawing/2014/main" id="{BEDAF18A-0F45-4482-ACAF-94FC33D2E2A3}"/>
+              </a:ext>
+            </a:extLst>
+          </p:cNvPr>
+          <p:cNvSpPr/>
+          <p:nvPr/>
+        </p:nvSpPr>
+        <p:spPr>
+          <a:xfrm>
+            <a:off x="1061512" y="4491414"/>
+            <a:ext cx="9760367" cy="646331"/>
+          </a:xfrm>
+          <a:prstGeom prst="rect">
+            <a:avLst/>
+          </a:prstGeom>
+        </p:spPr>
+        <p:txBody>
+          <a:bodyPr wrap="square">
+            <a:spAutoFit/>
+          </a:bodyPr>
+          <a:lstStyle/>
           <a:p>
             <a:r>
-              <a:rPr lang="en-IN" sz="2400" dirty="0"/>
-              <a:t> plant’s soil is. If the plant needs watering, an LED lights up and blink until the</a:t>
+              <a:rPr lang="en-IN" dirty="0"/>
+              <a:t>$ It also detects the upcoming creatures around it and will start buzzer sound to send them away and 	also notify its master.</a:t>
             </a:r>
           </a:p>
+        </p:txBody>
+      </p:sp>
+      <p:sp>
+        <p:nvSpPr>
+          <p:cNvPr id="10" name="Rectangle 9">
+            <a:extLst>
+              <a:ext uri="{FF2B5EF4-FFF2-40B4-BE49-F238E27FC236}">
+                <a16:creationId xmlns:a16="http://schemas.microsoft.com/office/drawing/2014/main" id="{983D3D3E-CF94-4430-9C6B-4C02516767A1}"/>
+              </a:ext>
+            </a:extLst>
+          </p:cNvPr>
+          <p:cNvSpPr/>
+          <p:nvPr/>
+        </p:nvSpPr>
+        <p:spPr>
+          <a:xfrm>
+            <a:off x="1133061" y="5230078"/>
+            <a:ext cx="10052803" cy="369332"/>
+          </a:xfrm>
+          <a:prstGeom prst="rect">
+            <a:avLst/>
+          </a:prstGeom>
+        </p:spPr>
+        <p:txBody>
+          <a:bodyPr wrap="square">
+            <a:spAutoFit/>
+          </a:bodyPr>
+          <a:lstStyle/>
           <a:p>
             <a:r>
-              <a:rPr lang="en-IN" sz="2400" dirty="0"/>
-              <a:t> * plant’s been watered, and the string “Feed me!” is repeatedly sent to your computer.</a:t>
+              <a:rPr lang="en-IN" dirty="0"/>
+              <a:t>* From time to time it will sense the pH of the soil for the plant condition</a:t>
             </a:r>
           </a:p>
+        </p:txBody>
+      </p:sp>
+      <p:sp>
+        <p:nvSpPr>
+          <p:cNvPr id="11" name="Rectangle 10">
+            <a:extLst>
+              <a:ext uri="{FF2B5EF4-FFF2-40B4-BE49-F238E27FC236}">
+                <a16:creationId xmlns:a16="http://schemas.microsoft.com/office/drawing/2014/main" id="{28C20FBE-5D8D-4A8D-8C30-8407F0DB266F}"/>
+              </a:ext>
+            </a:extLst>
+          </p:cNvPr>
+          <p:cNvSpPr/>
+          <p:nvPr/>
+        </p:nvSpPr>
+        <p:spPr>
+          <a:xfrm>
+            <a:off x="1133061" y="5886388"/>
+            <a:ext cx="10052803" cy="369332"/>
+          </a:xfrm>
+          <a:prstGeom prst="rect">
+            <a:avLst/>
+          </a:prstGeom>
+        </p:spPr>
+        <p:txBody>
+          <a:bodyPr wrap="square">
+            <a:spAutoFit/>
+          </a:bodyPr>
+          <a:lstStyle/>
           <a:p>
             <a:r>
-              <a:rPr lang="en-IN" sz="2400" dirty="0"/>
-              <a:t> * When the plant has been watered, the LED switches off and the string “Thank you, Team </a:t>
-            </a:r>
-            <a:r>
-              <a:rPr lang="en-IN" sz="2400" dirty="0" err="1"/>
-              <a:t>Ravana</a:t>
-            </a:r>
-            <a:r>
-              <a:rPr lang="en-IN" sz="2400" dirty="0"/>
-              <a:t>!” is sent once to your computer.</a:t>
-            </a:r>
-          </a:p>
-          <a:p>
-            <a:r>
-              <a:rPr lang="en-IN" sz="2400" dirty="0"/>
-              <a:t> * This version of program is for normal plant.</a:t>
-            </a:r>
-          </a:p>
-          <a:p>
-            <a:r>
-              <a:rPr lang="en-IN" sz="2400" dirty="0"/>
-              <a:t> * There are Three conditions according to plant water requirement.</a:t>
-            </a:r>
-          </a:p>
-          <a:p>
-            <a:r>
-              <a:rPr lang="en-IN" sz="2400" dirty="0"/>
-              <a:t> * It also detects the upcoming creatures around it and will start buzzer sound.</a:t>
+              <a:rPr lang="en-IN" dirty="0"/>
+              <a:t>* The system will detect water requirement at particular intervals only so no deteriorating of water sensor.</a:t>
             </a:r>
           </a:p>
         </p:txBody>
